--- a/Relatório de Estagio/Apresentação.pptx
+++ b/Relatório de Estagio/Apresentação.pptx
@@ -5,28 +5,30 @@
     <p:sldMasterId id="2147483660" r:id="rId1"/>
   </p:sldMasterIdLst>
   <p:notesMasterIdLst>
-    <p:notesMasterId r:id="rId21"/>
+    <p:notesMasterId r:id="rId23"/>
   </p:notesMasterIdLst>
   <p:sldIdLst>
     <p:sldId id="256" r:id="rId2"/>
     <p:sldId id="258" r:id="rId3"/>
     <p:sldId id="260" r:id="rId4"/>
     <p:sldId id="259" r:id="rId5"/>
-    <p:sldId id="261" r:id="rId6"/>
-    <p:sldId id="265" r:id="rId7"/>
-    <p:sldId id="267" r:id="rId8"/>
-    <p:sldId id="266" r:id="rId9"/>
-    <p:sldId id="268" r:id="rId10"/>
-    <p:sldId id="269" r:id="rId11"/>
-    <p:sldId id="270" r:id="rId12"/>
-    <p:sldId id="271" r:id="rId13"/>
-    <p:sldId id="262" r:id="rId14"/>
-    <p:sldId id="272" r:id="rId15"/>
-    <p:sldId id="263" r:id="rId16"/>
-    <p:sldId id="274" r:id="rId17"/>
-    <p:sldId id="275" r:id="rId18"/>
-    <p:sldId id="276" r:id="rId19"/>
-    <p:sldId id="264" r:id="rId20"/>
+    <p:sldId id="277" r:id="rId6"/>
+    <p:sldId id="261" r:id="rId7"/>
+    <p:sldId id="265" r:id="rId8"/>
+    <p:sldId id="267" r:id="rId9"/>
+    <p:sldId id="266" r:id="rId10"/>
+    <p:sldId id="268" r:id="rId11"/>
+    <p:sldId id="269" r:id="rId12"/>
+    <p:sldId id="270" r:id="rId13"/>
+    <p:sldId id="271" r:id="rId14"/>
+    <p:sldId id="262" r:id="rId15"/>
+    <p:sldId id="272" r:id="rId16"/>
+    <p:sldId id="263" r:id="rId17"/>
+    <p:sldId id="274" r:id="rId18"/>
+    <p:sldId id="275" r:id="rId19"/>
+    <p:sldId id="276" r:id="rId20"/>
+    <p:sldId id="278" r:id="rId21"/>
+    <p:sldId id="264" r:id="rId22"/>
   </p:sldIdLst>
   <p:sldSz cx="12192000" cy="6858000"/>
   <p:notesSz cx="6858000" cy="9144000"/>
@@ -226,7 +228,7 @@
           <a:p>
             <a:fld id="{D4D70E4E-2AB7-42B4-9F60-3A2E273C7910}" type="datetimeFigureOut">
               <a:rPr lang="pt-BR" smtClean="0"/>
-              <a:t>14/10/2019</a:t>
+              <a:t>15/10/2019</a:t>
             </a:fld>
             <a:endParaRPr lang="pt-BR"/>
           </a:p>
@@ -605,7 +607,7 @@
           <a:p>
             <a:fld id="{E765FC00-05BA-4CB9-BF9F-3BE9E789CF31}" type="slidenum">
               <a:rPr lang="pt-BR" smtClean="0"/>
-              <a:t>7</a:t>
+              <a:t>8</a:t>
             </a:fld>
             <a:endParaRPr lang="pt-BR"/>
           </a:p>
@@ -3878,14 +3880,21 @@
             <p:ph type="title"/>
           </p:nvPr>
         </p:nvSpPr>
-        <p:spPr/>
-        <p:txBody>
-          <a:bodyPr/>
+        <p:spPr>
+          <a:xfrm>
+            <a:off x="624113" y="462509"/>
+            <a:ext cx="11102665" cy="1057662"/>
+          </a:xfrm>
+        </p:spPr>
+        <p:txBody>
+          <a:bodyPr>
+            <a:normAutofit/>
+          </a:bodyPr>
           <a:lstStyle/>
           <a:p>
             <a:r>
               <a:rPr lang="pt-BR" dirty="0"/>
-              <a:t>Prototipação</a:t>
+              <a:t>Modelagem de casos de uso e de banco de dados</a:t>
             </a:r>
           </a:p>
         </p:txBody>
@@ -3908,6 +3917,271 @@
             <a:fld id="{859F97CD-EE65-4132-8581-7CD3042152B7}" type="slidenum">
               <a:rPr lang="pt-BR" smtClean="0"/>
               <a:t>10</a:t>
+            </a:fld>
+            <a:endParaRPr lang="pt-BR"/>
+          </a:p>
+        </p:txBody>
+      </p:sp>
+      <p:pic>
+        <p:nvPicPr>
+          <p:cNvPr id="5" name="Imagem 4"/>
+          <p:cNvPicPr>
+            <a:picLocks noChangeAspect="1"/>
+          </p:cNvPicPr>
+          <p:nvPr/>
+        </p:nvPicPr>
+        <p:blipFill rotWithShape="1">
+          <a:blip r:embed="rId2"/>
+          <a:srcRect l="6023" t="9240" r="11006" b="9055"/>
+          <a:stretch/>
+        </p:blipFill>
+        <p:spPr>
+          <a:xfrm>
+            <a:off x="914400" y="1932432"/>
+            <a:ext cx="3997959" cy="3645408"/>
+          </a:xfrm>
+          <a:prstGeom prst="rect">
+            <a:avLst/>
+          </a:prstGeom>
+        </p:spPr>
+      </p:pic>
+      <p:sp>
+        <p:nvSpPr>
+          <p:cNvPr id="6" name="CaixaDeTexto 5"/>
+          <p:cNvSpPr txBox="1"/>
+          <p:nvPr/>
+        </p:nvSpPr>
+        <p:spPr>
+          <a:xfrm>
+            <a:off x="914400" y="1593878"/>
+            <a:ext cx="3986785" cy="307777"/>
+          </a:xfrm>
+          <a:prstGeom prst="rect">
+            <a:avLst/>
+          </a:prstGeom>
+          <a:noFill/>
+        </p:spPr>
+        <p:txBody>
+          <a:bodyPr wrap="square" rtlCol="0">
+            <a:spAutoFit/>
+          </a:bodyPr>
+          <a:lstStyle/>
+          <a:p>
+            <a:pPr algn="ctr"/>
+            <a:r>
+              <a:rPr lang="pt-BR" sz="1400" b="1" dirty="0" smtClean="0"/>
+              <a:t>Figura 1 – </a:t>
+            </a:r>
+            <a:r>
+              <a:rPr lang="pt-BR" sz="1400" b="1" dirty="0"/>
+              <a:t>Diagrama de casos de uso</a:t>
+            </a:r>
+            <a:endParaRPr lang="pt-BR" sz="1400" dirty="0">
+              <a:effectLst/>
+            </a:endParaRPr>
+          </a:p>
+        </p:txBody>
+      </p:sp>
+      <p:sp>
+        <p:nvSpPr>
+          <p:cNvPr id="7" name="CaixaDeTexto 6"/>
+          <p:cNvSpPr txBox="1"/>
+          <p:nvPr/>
+        </p:nvSpPr>
+        <p:spPr>
+          <a:xfrm>
+            <a:off x="914401" y="5593080"/>
+            <a:ext cx="3986784" cy="307777"/>
+          </a:xfrm>
+          <a:prstGeom prst="rect">
+            <a:avLst/>
+          </a:prstGeom>
+          <a:noFill/>
+        </p:spPr>
+        <p:txBody>
+          <a:bodyPr wrap="square" rtlCol="0">
+            <a:spAutoFit/>
+          </a:bodyPr>
+          <a:lstStyle/>
+          <a:p>
+            <a:pPr algn="ctr"/>
+            <a:r>
+              <a:rPr lang="pt-BR" sz="1400" b="1" dirty="0" smtClean="0"/>
+              <a:t>Fonte: Elaboração própria.</a:t>
+            </a:r>
+            <a:endParaRPr lang="pt-BR" sz="1400" b="1" dirty="0">
+              <a:effectLst/>
+            </a:endParaRPr>
+          </a:p>
+        </p:txBody>
+      </p:sp>
+      <p:pic>
+        <p:nvPicPr>
+          <p:cNvPr id="8" name="Imagem 7"/>
+          <p:cNvPicPr>
+            <a:picLocks noChangeAspect="1"/>
+          </p:cNvPicPr>
+          <p:nvPr/>
+        </p:nvPicPr>
+        <p:blipFill>
+          <a:blip r:embed="rId3"/>
+          <a:stretch>
+            <a:fillRect/>
+          </a:stretch>
+        </p:blipFill>
+        <p:spPr>
+          <a:xfrm>
+            <a:off x="5903496" y="1901655"/>
+            <a:ext cx="5133472" cy="3689047"/>
+          </a:xfrm>
+          <a:prstGeom prst="rect">
+            <a:avLst/>
+          </a:prstGeom>
+        </p:spPr>
+      </p:pic>
+      <p:sp>
+        <p:nvSpPr>
+          <p:cNvPr id="9" name="CaixaDeTexto 8"/>
+          <p:cNvSpPr txBox="1"/>
+          <p:nvPr/>
+        </p:nvSpPr>
+        <p:spPr>
+          <a:xfrm>
+            <a:off x="5903496" y="1593878"/>
+            <a:ext cx="5133472" cy="307777"/>
+          </a:xfrm>
+          <a:prstGeom prst="rect">
+            <a:avLst/>
+          </a:prstGeom>
+          <a:noFill/>
+        </p:spPr>
+        <p:txBody>
+          <a:bodyPr wrap="square" rtlCol="0">
+            <a:spAutoFit/>
+          </a:bodyPr>
+          <a:lstStyle/>
+          <a:p>
+            <a:pPr algn="ctr"/>
+            <a:r>
+              <a:rPr lang="pt-BR" sz="1400" b="1" dirty="0" smtClean="0"/>
+              <a:t>Figura 2 – Diagrama entidade-relacionamento</a:t>
+            </a:r>
+            <a:endParaRPr lang="pt-BR" sz="1400" dirty="0">
+              <a:effectLst/>
+            </a:endParaRPr>
+          </a:p>
+        </p:txBody>
+      </p:sp>
+      <p:sp>
+        <p:nvSpPr>
+          <p:cNvPr id="10" name="CaixaDeTexto 9"/>
+          <p:cNvSpPr txBox="1"/>
+          <p:nvPr/>
+        </p:nvSpPr>
+        <p:spPr>
+          <a:xfrm>
+            <a:off x="5903496" y="5593080"/>
+            <a:ext cx="5133472" cy="307777"/>
+          </a:xfrm>
+          <a:prstGeom prst="rect">
+            <a:avLst/>
+          </a:prstGeom>
+          <a:noFill/>
+        </p:spPr>
+        <p:txBody>
+          <a:bodyPr wrap="square" rtlCol="0">
+            <a:spAutoFit/>
+          </a:bodyPr>
+          <a:lstStyle/>
+          <a:p>
+            <a:pPr algn="ctr"/>
+            <a:r>
+              <a:rPr lang="pt-BR" sz="1400" b="1" dirty="0" smtClean="0"/>
+              <a:t>Fonte: Elaboração própria.</a:t>
+            </a:r>
+            <a:endParaRPr lang="pt-BR" sz="1400" b="1" dirty="0">
+              <a:effectLst/>
+            </a:endParaRPr>
+          </a:p>
+        </p:txBody>
+      </p:sp>
+    </p:spTree>
+    <p:extLst>
+      <p:ext uri="{BB962C8B-B14F-4D97-AF65-F5344CB8AC3E}">
+        <p14:creationId xmlns:p14="http://schemas.microsoft.com/office/powerpoint/2010/main" val="2526654937"/>
+      </p:ext>
+    </p:extLst>
+  </p:cSld>
+  <p:clrMapOvr>
+    <a:masterClrMapping/>
+  </p:clrMapOvr>
+  <p:timing>
+    <p:tnLst>
+      <p:par>
+        <p:cTn id="1" dur="indefinite" restart="never" nodeType="tmRoot"/>
+      </p:par>
+    </p:tnLst>
+  </p:timing>
+</p:sld>
+</file>
+
+<file path=ppt/slides/slide11.xml><?xml version="1.0" encoding="utf-8"?>
+<p:sld xmlns:a="http://schemas.openxmlformats.org/drawingml/2006/main" xmlns:r="http://schemas.openxmlformats.org/officeDocument/2006/relationships" xmlns:p="http://schemas.openxmlformats.org/presentationml/2006/main">
+  <p:cSld>
+    <p:spTree>
+      <p:nvGrpSpPr>
+        <p:cNvPr id="1" name=""/>
+        <p:cNvGrpSpPr/>
+        <p:nvPr/>
+      </p:nvGrpSpPr>
+      <p:grpSpPr>
+        <a:xfrm>
+          <a:off x="0" y="0"/>
+          <a:ext cx="0" cy="0"/>
+          <a:chOff x="0" y="0"/>
+          <a:chExt cx="0" cy="0"/>
+        </a:xfrm>
+      </p:grpSpPr>
+      <p:sp>
+        <p:nvSpPr>
+          <p:cNvPr id="2" name="Título 1"/>
+          <p:cNvSpPr>
+            <a:spLocks noGrp="1"/>
+          </p:cNvSpPr>
+          <p:nvPr>
+            <p:ph type="title"/>
+          </p:nvPr>
+        </p:nvSpPr>
+        <p:spPr/>
+        <p:txBody>
+          <a:bodyPr/>
+          <a:lstStyle/>
+          <a:p>
+            <a:r>
+              <a:rPr lang="pt-BR" dirty="0"/>
+              <a:t>Prototipação</a:t>
+            </a:r>
+          </a:p>
+        </p:txBody>
+      </p:sp>
+      <p:sp>
+        <p:nvSpPr>
+          <p:cNvPr id="4" name="Espaço Reservado para Número de Slide 3"/>
+          <p:cNvSpPr>
+            <a:spLocks noGrp="1"/>
+          </p:cNvSpPr>
+          <p:nvPr>
+            <p:ph type="sldNum" sz="quarter" idx="12"/>
+          </p:nvPr>
+        </p:nvSpPr>
+        <p:spPr/>
+        <p:txBody>
+          <a:bodyPr/>
+          <a:lstStyle/>
+          <a:p>
+            <a:fld id="{859F97CD-EE65-4132-8581-7CD3042152B7}" type="slidenum">
+              <a:rPr lang="pt-BR" smtClean="0"/>
+              <a:t>11</a:t>
             </a:fld>
             <a:endParaRPr lang="pt-BR"/>
           </a:p>
@@ -4111,7 +4385,7 @@
 </p:sld>
 </file>
 
-<file path=ppt/slides/slide11.xml><?xml version="1.0" encoding="utf-8"?>
+<file path=ppt/slides/slide12.xml><?xml version="1.0" encoding="utf-8"?>
 <p:sld xmlns:a="http://schemas.openxmlformats.org/drawingml/2006/main" xmlns:r="http://schemas.openxmlformats.org/officeDocument/2006/relationships" xmlns:p="http://schemas.openxmlformats.org/presentationml/2006/main">
   <p:cSld>
     <p:spTree>
@@ -4167,7 +4441,7 @@
           <a:p>
             <a:fld id="{859F97CD-EE65-4132-8581-7CD3042152B7}" type="slidenum">
               <a:rPr lang="pt-BR" smtClean="0"/>
-              <a:t>11</a:t>
+              <a:t>12</a:t>
             </a:fld>
             <a:endParaRPr lang="pt-BR"/>
           </a:p>
@@ -4376,7 +4650,7 @@
 </p:sld>
 </file>
 
-<file path=ppt/slides/slide12.xml><?xml version="1.0" encoding="utf-8"?>
+<file path=ppt/slides/slide13.xml><?xml version="1.0" encoding="utf-8"?>
 <p:sld xmlns:a="http://schemas.openxmlformats.org/drawingml/2006/main" xmlns:r="http://schemas.openxmlformats.org/officeDocument/2006/relationships" xmlns:p="http://schemas.openxmlformats.org/presentationml/2006/main">
   <p:cSld>
     <p:spTree>
@@ -4460,7 +4734,7 @@
           <a:p>
             <a:fld id="{859F97CD-EE65-4132-8581-7CD3042152B7}" type="slidenum">
               <a:rPr lang="pt-BR" smtClean="0"/>
-              <a:t>12</a:t>
+              <a:t>13</a:t>
             </a:fld>
             <a:endParaRPr lang="pt-BR"/>
           </a:p>
@@ -4491,19 +4765,7 @@
             <a:pPr algn="ctr"/>
             <a:r>
               <a:rPr lang="pt-BR" sz="1400" b="1" dirty="0" smtClean="0"/>
-              <a:t>Figura </a:t>
-            </a:r>
-            <a:r>
-              <a:rPr lang="pt-BR" sz="1400" b="1" dirty="0" smtClean="0"/>
-              <a:t>7 </a:t>
-            </a:r>
-            <a:r>
-              <a:rPr lang="pt-BR" sz="1400" b="1" dirty="0" smtClean="0"/>
-              <a:t>– </a:t>
-            </a:r>
-            <a:r>
-              <a:rPr lang="pt-BR" sz="1400" b="1" dirty="0" smtClean="0"/>
-              <a:t>Parte da página de instalação de extensões do </a:t>
+              <a:t>Figura 7 – Parte da página de instalação de extensões do </a:t>
             </a:r>
             <a:r>
               <a:rPr lang="pt-BR" sz="1400" b="1" dirty="0" err="1" smtClean="0"/>
@@ -4552,126 +4814,6 @@
     <p:extLst>
       <p:ext uri="{BB962C8B-B14F-4D97-AF65-F5344CB8AC3E}">
         <p14:creationId xmlns:p14="http://schemas.microsoft.com/office/powerpoint/2010/main" val="1779174022"/>
-      </p:ext>
-    </p:extLst>
-  </p:cSld>
-  <p:clrMapOvr>
-    <a:masterClrMapping/>
-  </p:clrMapOvr>
-  <p:timing>
-    <p:tnLst>
-      <p:par>
-        <p:cTn id="1" dur="indefinite" restart="never" nodeType="tmRoot"/>
-      </p:par>
-    </p:tnLst>
-  </p:timing>
-</p:sld>
-</file>
-
-<file path=ppt/slides/slide13.xml><?xml version="1.0" encoding="utf-8"?>
-<p:sld xmlns:a="http://schemas.openxmlformats.org/drawingml/2006/main" xmlns:r="http://schemas.openxmlformats.org/officeDocument/2006/relationships" xmlns:p="http://schemas.openxmlformats.org/presentationml/2006/main">
-  <p:cSld>
-    <p:spTree>
-      <p:nvGrpSpPr>
-        <p:cNvPr id="1" name=""/>
-        <p:cNvGrpSpPr/>
-        <p:nvPr/>
-      </p:nvGrpSpPr>
-      <p:grpSpPr>
-        <a:xfrm>
-          <a:off x="0" y="0"/>
-          <a:ext cx="0" cy="0"/>
-          <a:chOff x="0" y="0"/>
-          <a:chExt cx="0" cy="0"/>
-        </a:xfrm>
-      </p:grpSpPr>
-      <p:sp>
-        <p:nvSpPr>
-          <p:cNvPr id="2" name="Título 1"/>
-          <p:cNvSpPr>
-            <a:spLocks noGrp="1"/>
-          </p:cNvSpPr>
-          <p:nvPr>
-            <p:ph type="title"/>
-          </p:nvPr>
-        </p:nvSpPr>
-        <p:spPr/>
-        <p:txBody>
-          <a:bodyPr/>
-          <a:lstStyle/>
-          <a:p>
-            <a:r>
-              <a:rPr lang="pt-BR" dirty="0" smtClean="0"/>
-              <a:t>Resultados</a:t>
-            </a:r>
-            <a:endParaRPr lang="pt-BR" dirty="0"/>
-          </a:p>
-        </p:txBody>
-      </p:sp>
-      <p:sp>
-        <p:nvSpPr>
-          <p:cNvPr id="3" name="Espaço Reservado para Conteúdo 2"/>
-          <p:cNvSpPr>
-            <a:spLocks noGrp="1"/>
-          </p:cNvSpPr>
-          <p:nvPr>
-            <p:ph idx="1"/>
-          </p:nvPr>
-        </p:nvSpPr>
-        <p:spPr/>
-        <p:txBody>
-          <a:bodyPr/>
-          <a:lstStyle/>
-          <a:p>
-            <a:r>
-              <a:rPr lang="pt-BR" dirty="0" smtClean="0"/>
-              <a:t>Atualidade do conteúdo presente no site;</a:t>
-            </a:r>
-          </a:p>
-          <a:p>
-            <a:r>
-              <a:rPr lang="pt-BR" dirty="0" smtClean="0"/>
-              <a:t>Desenvolvimento do componente </a:t>
-            </a:r>
-            <a:r>
-              <a:rPr lang="pt-BR" dirty="0" err="1" smtClean="0"/>
-              <a:t>Academic</a:t>
-            </a:r>
-            <a:r>
-              <a:rPr lang="pt-BR" dirty="0" smtClean="0"/>
-              <a:t> Library.</a:t>
-            </a:r>
-            <a:endParaRPr lang="pt-BR" dirty="0"/>
-          </a:p>
-        </p:txBody>
-      </p:sp>
-      <p:sp>
-        <p:nvSpPr>
-          <p:cNvPr id="4" name="Espaço Reservado para Número de Slide 3"/>
-          <p:cNvSpPr>
-            <a:spLocks noGrp="1"/>
-          </p:cNvSpPr>
-          <p:nvPr>
-            <p:ph type="sldNum" sz="quarter" idx="12"/>
-          </p:nvPr>
-        </p:nvSpPr>
-        <p:spPr/>
-        <p:txBody>
-          <a:bodyPr/>
-          <a:lstStyle/>
-          <a:p>
-            <a:fld id="{859F97CD-EE65-4132-8581-7CD3042152B7}" type="slidenum">
-              <a:rPr lang="pt-BR" smtClean="0"/>
-              <a:t>13</a:t>
-            </a:fld>
-            <a:endParaRPr lang="pt-BR"/>
-          </a:p>
-        </p:txBody>
-      </p:sp>
-    </p:spTree>
-    <p:extLst>
-      <p:ext uri="{BB962C8B-B14F-4D97-AF65-F5344CB8AC3E}">
-        <p14:creationId xmlns:p14="http://schemas.microsoft.com/office/powerpoint/2010/main" val="4151557867"/>
       </p:ext>
     </p:extLst>
   </p:cSld>
@@ -4721,9 +4863,47 @@
           <a:lstStyle/>
           <a:p>
             <a:r>
-              <a:rPr lang="pt-BR" dirty="0"/>
+              <a:rPr lang="pt-BR" dirty="0" smtClean="0"/>
               <a:t>Resultados</a:t>
             </a:r>
+            <a:endParaRPr lang="pt-BR" dirty="0"/>
+          </a:p>
+        </p:txBody>
+      </p:sp>
+      <p:sp>
+        <p:nvSpPr>
+          <p:cNvPr id="3" name="Espaço Reservado para Conteúdo 2"/>
+          <p:cNvSpPr>
+            <a:spLocks noGrp="1"/>
+          </p:cNvSpPr>
+          <p:nvPr>
+            <p:ph idx="1"/>
+          </p:nvPr>
+        </p:nvSpPr>
+        <p:spPr/>
+        <p:txBody>
+          <a:bodyPr/>
+          <a:lstStyle/>
+          <a:p>
+            <a:r>
+              <a:rPr lang="pt-BR" dirty="0" smtClean="0"/>
+              <a:t>Atualidade do conteúdo presente no site;</a:t>
+            </a:r>
+          </a:p>
+          <a:p>
+            <a:r>
+              <a:rPr lang="pt-BR" dirty="0" smtClean="0"/>
+              <a:t>Desenvolvimento do componente </a:t>
+            </a:r>
+            <a:r>
+              <a:rPr lang="pt-BR" dirty="0" err="1" smtClean="0"/>
+              <a:t>Academic</a:t>
+            </a:r>
+            <a:r>
+              <a:rPr lang="pt-BR" dirty="0" smtClean="0"/>
+              <a:t> Library.</a:t>
+            </a:r>
+            <a:endParaRPr lang="pt-BR" dirty="0"/>
           </a:p>
         </p:txBody>
       </p:sp>
@@ -4750,107 +4930,10 @@
           </a:p>
         </p:txBody>
       </p:sp>
-      <p:pic>
-        <p:nvPicPr>
-          <p:cNvPr id="7" name="Imagem 6"/>
-          <p:cNvPicPr>
-            <a:picLocks noChangeAspect="1"/>
-          </p:cNvPicPr>
-          <p:nvPr/>
-        </p:nvPicPr>
-        <p:blipFill rotWithShape="1">
-          <a:blip r:embed="rId2"/>
-          <a:srcRect r="1293" b="19238"/>
-          <a:stretch/>
-        </p:blipFill>
-        <p:spPr>
-          <a:xfrm>
-            <a:off x="1023167" y="1934189"/>
-            <a:ext cx="10145664" cy="3876301"/>
-          </a:xfrm>
-          <a:prstGeom prst="rect">
-            <a:avLst/>
-          </a:prstGeom>
-        </p:spPr>
-      </p:pic>
-      <p:sp>
-        <p:nvSpPr>
-          <p:cNvPr id="8" name="CaixaDeTexto 7"/>
-          <p:cNvSpPr txBox="1"/>
-          <p:nvPr/>
-        </p:nvSpPr>
-        <p:spPr>
-          <a:xfrm>
-            <a:off x="1023168" y="1608732"/>
-            <a:ext cx="10145664" cy="307777"/>
-          </a:xfrm>
-          <a:prstGeom prst="rect">
-            <a:avLst/>
-          </a:prstGeom>
-          <a:noFill/>
-        </p:spPr>
-        <p:txBody>
-          <a:bodyPr wrap="square" rtlCol="0">
-            <a:spAutoFit/>
-          </a:bodyPr>
-          <a:lstStyle/>
-          <a:p>
-            <a:pPr algn="ctr"/>
-            <a:r>
-              <a:rPr lang="pt-BR" sz="1400" b="1" dirty="0"/>
-              <a:t>Figura </a:t>
-            </a:r>
-            <a:r>
-              <a:rPr lang="pt-BR" sz="1400" b="1" dirty="0" smtClean="0"/>
-              <a:t>8 </a:t>
-            </a:r>
-            <a:r>
-              <a:rPr lang="pt-BR" sz="1400" b="1" dirty="0"/>
-              <a:t>– Listagem de trabalhos na parte administrativa do site </a:t>
-            </a:r>
-            <a:endParaRPr lang="pt-BR" sz="1400" dirty="0">
-              <a:effectLst/>
-            </a:endParaRPr>
-          </a:p>
-        </p:txBody>
-      </p:sp>
-      <p:sp>
-        <p:nvSpPr>
-          <p:cNvPr id="9" name="CaixaDeTexto 8"/>
-          <p:cNvSpPr txBox="1"/>
-          <p:nvPr/>
-        </p:nvSpPr>
-        <p:spPr>
-          <a:xfrm>
-            <a:off x="1023167" y="5810490"/>
-            <a:ext cx="10145663" cy="307777"/>
-          </a:xfrm>
-          <a:prstGeom prst="rect">
-            <a:avLst/>
-          </a:prstGeom>
-          <a:noFill/>
-        </p:spPr>
-        <p:txBody>
-          <a:bodyPr wrap="square" rtlCol="0">
-            <a:spAutoFit/>
-          </a:bodyPr>
-          <a:lstStyle/>
-          <a:p>
-            <a:pPr algn="ctr"/>
-            <a:r>
-              <a:rPr lang="pt-BR" sz="1400" b="1" dirty="0" smtClean="0"/>
-              <a:t>Fonte: Elaboração própria.</a:t>
-            </a:r>
-            <a:endParaRPr lang="pt-BR" sz="1400" b="1" dirty="0">
-              <a:effectLst/>
-            </a:endParaRPr>
-          </a:p>
-        </p:txBody>
-      </p:sp>
     </p:spTree>
     <p:extLst>
       <p:ext uri="{BB962C8B-B14F-4D97-AF65-F5344CB8AC3E}">
-        <p14:creationId xmlns:p14="http://schemas.microsoft.com/office/powerpoint/2010/main" val="1553390077"/>
+        <p14:creationId xmlns:p14="http://schemas.microsoft.com/office/powerpoint/2010/main" val="4151557867"/>
       </p:ext>
     </p:extLst>
   </p:cSld>
@@ -4931,7 +5014,7 @@
       </p:sp>
       <p:pic>
         <p:nvPicPr>
-          <p:cNvPr id="5" name="Imagem 4"/>
+          <p:cNvPr id="7" name="Imagem 6"/>
           <p:cNvPicPr>
             <a:picLocks noChangeAspect="1"/>
           </p:cNvPicPr>
@@ -4939,13 +5022,13 @@
         </p:nvPicPr>
         <p:blipFill rotWithShape="1">
           <a:blip r:embed="rId2"/>
-          <a:srcRect l="951" t="5651"/>
+          <a:srcRect r="1293" b="19238"/>
           <a:stretch/>
         </p:blipFill>
         <p:spPr>
           <a:xfrm>
-            <a:off x="3107014" y="1827948"/>
-            <a:ext cx="5977972" cy="4101850"/>
+            <a:off x="1023167" y="1934189"/>
+            <a:ext cx="10145664" cy="3876301"/>
           </a:xfrm>
           <a:prstGeom prst="rect">
             <a:avLst/>
@@ -4954,14 +5037,14 @@
       </p:pic>
       <p:sp>
         <p:nvSpPr>
-          <p:cNvPr id="6" name="CaixaDeTexto 5"/>
+          <p:cNvPr id="8" name="CaixaDeTexto 7"/>
           <p:cNvSpPr txBox="1"/>
           <p:nvPr/>
         </p:nvSpPr>
         <p:spPr>
           <a:xfrm>
-            <a:off x="3107015" y="1520171"/>
-            <a:ext cx="5977970" cy="307777"/>
+            <a:off x="1023168" y="1608732"/>
+            <a:ext cx="10145664" cy="307777"/>
           </a:xfrm>
           <a:prstGeom prst="rect">
             <a:avLst/>
@@ -4981,11 +5064,11 @@
             </a:r>
             <a:r>
               <a:rPr lang="pt-BR" sz="1400" b="1" dirty="0" smtClean="0"/>
-              <a:t>9 </a:t>
+              <a:t>8 </a:t>
             </a:r>
             <a:r>
               <a:rPr lang="pt-BR" sz="1400" b="1" dirty="0"/>
-              <a:t>– Parte da página de inserção de trabalho acadêmico </a:t>
+              <a:t>– Listagem de trabalhos na parte administrativa do site </a:t>
             </a:r>
             <a:endParaRPr lang="pt-BR" sz="1400" dirty="0">
               <a:effectLst/>
@@ -4995,14 +5078,14 @@
       </p:sp>
       <p:sp>
         <p:nvSpPr>
-          <p:cNvPr id="7" name="CaixaDeTexto 6"/>
+          <p:cNvPr id="9" name="CaixaDeTexto 8"/>
           <p:cNvSpPr txBox="1"/>
           <p:nvPr/>
         </p:nvSpPr>
         <p:spPr>
           <a:xfrm>
-            <a:off x="3107014" y="5929798"/>
-            <a:ext cx="5977971" cy="307777"/>
+            <a:off x="1023167" y="5810490"/>
+            <a:ext cx="10145663" cy="307777"/>
           </a:xfrm>
           <a:prstGeom prst="rect">
             <a:avLst/>
@@ -5026,66 +5109,10 @@
           </a:p>
         </p:txBody>
       </p:sp>
-      <p:sp>
-        <p:nvSpPr>
-          <p:cNvPr id="8" name="Retângulo 7"/>
-          <p:cNvSpPr/>
-          <p:nvPr/>
-        </p:nvSpPr>
-        <p:spPr>
-          <a:xfrm>
-            <a:off x="7919664" y="3236703"/>
-            <a:ext cx="1203727" cy="369332"/>
-          </a:xfrm>
-          <a:prstGeom prst="rect">
-            <a:avLst/>
-          </a:prstGeom>
-        </p:spPr>
-        <p:txBody>
-          <a:bodyPr wrap="none">
-            <a:spAutoFit/>
-          </a:bodyPr>
-          <a:lstStyle/>
-          <a:p>
-            <a:r>
-              <a:rPr lang="pt-BR" dirty="0"/>
-              <a:t>Resultados</a:t>
-            </a:r>
-          </a:p>
-        </p:txBody>
-      </p:sp>
-      <p:sp>
-        <p:nvSpPr>
-          <p:cNvPr id="9" name="Retângulo 8"/>
-          <p:cNvSpPr/>
-          <p:nvPr/>
-        </p:nvSpPr>
-        <p:spPr>
-          <a:xfrm>
-            <a:off x="7919664" y="3236703"/>
-            <a:ext cx="1203727" cy="369332"/>
-          </a:xfrm>
-          <a:prstGeom prst="rect">
-            <a:avLst/>
-          </a:prstGeom>
-        </p:spPr>
-        <p:txBody>
-          <a:bodyPr wrap="none">
-            <a:spAutoFit/>
-          </a:bodyPr>
-          <a:lstStyle/>
-          <a:p>
-            <a:r>
-              <a:rPr lang="pt-BR" dirty="0"/>
-              <a:t>Resultados</a:t>
-            </a:r>
-          </a:p>
-        </p:txBody>
-      </p:sp>
     </p:spTree>
     <p:extLst>
       <p:ext uri="{BB962C8B-B14F-4D97-AF65-F5344CB8AC3E}">
-        <p14:creationId xmlns:p14="http://schemas.microsoft.com/office/powerpoint/2010/main" val="3043808301"/>
+        <p14:creationId xmlns:p14="http://schemas.microsoft.com/office/powerpoint/2010/main" val="1553390077"/>
       </p:ext>
     </p:extLst>
   </p:cSld>
@@ -5159,6 +5186,185 @@
             <a:fld id="{859F97CD-EE65-4132-8581-7CD3042152B7}" type="slidenum">
               <a:rPr lang="pt-BR" smtClean="0"/>
               <a:t>16</a:t>
+            </a:fld>
+            <a:endParaRPr lang="pt-BR"/>
+          </a:p>
+        </p:txBody>
+      </p:sp>
+      <p:pic>
+        <p:nvPicPr>
+          <p:cNvPr id="5" name="Imagem 4"/>
+          <p:cNvPicPr>
+            <a:picLocks noChangeAspect="1"/>
+          </p:cNvPicPr>
+          <p:nvPr/>
+        </p:nvPicPr>
+        <p:blipFill rotWithShape="1">
+          <a:blip r:embed="rId2"/>
+          <a:srcRect l="951" t="5651"/>
+          <a:stretch/>
+        </p:blipFill>
+        <p:spPr>
+          <a:xfrm>
+            <a:off x="3107014" y="1827948"/>
+            <a:ext cx="5977972" cy="4101850"/>
+          </a:xfrm>
+          <a:prstGeom prst="rect">
+            <a:avLst/>
+          </a:prstGeom>
+        </p:spPr>
+      </p:pic>
+      <p:sp>
+        <p:nvSpPr>
+          <p:cNvPr id="6" name="CaixaDeTexto 5"/>
+          <p:cNvSpPr txBox="1"/>
+          <p:nvPr/>
+        </p:nvSpPr>
+        <p:spPr>
+          <a:xfrm>
+            <a:off x="3107015" y="1520171"/>
+            <a:ext cx="5977970" cy="307777"/>
+          </a:xfrm>
+          <a:prstGeom prst="rect">
+            <a:avLst/>
+          </a:prstGeom>
+          <a:noFill/>
+        </p:spPr>
+        <p:txBody>
+          <a:bodyPr wrap="square" rtlCol="0">
+            <a:spAutoFit/>
+          </a:bodyPr>
+          <a:lstStyle/>
+          <a:p>
+            <a:pPr algn="ctr"/>
+            <a:r>
+              <a:rPr lang="pt-BR" sz="1400" b="1" dirty="0"/>
+              <a:t>Figura </a:t>
+            </a:r>
+            <a:r>
+              <a:rPr lang="pt-BR" sz="1400" b="1" dirty="0" smtClean="0"/>
+              <a:t>9 </a:t>
+            </a:r>
+            <a:r>
+              <a:rPr lang="pt-BR" sz="1400" b="1" dirty="0"/>
+              <a:t>– Parte da página de inserção de trabalho acadêmico </a:t>
+            </a:r>
+            <a:endParaRPr lang="pt-BR" sz="1400" dirty="0">
+              <a:effectLst/>
+            </a:endParaRPr>
+          </a:p>
+        </p:txBody>
+      </p:sp>
+      <p:sp>
+        <p:nvSpPr>
+          <p:cNvPr id="7" name="CaixaDeTexto 6"/>
+          <p:cNvSpPr txBox="1"/>
+          <p:nvPr/>
+        </p:nvSpPr>
+        <p:spPr>
+          <a:xfrm>
+            <a:off x="3107014" y="5929798"/>
+            <a:ext cx="5977971" cy="307777"/>
+          </a:xfrm>
+          <a:prstGeom prst="rect">
+            <a:avLst/>
+          </a:prstGeom>
+          <a:noFill/>
+        </p:spPr>
+        <p:txBody>
+          <a:bodyPr wrap="square" rtlCol="0">
+            <a:spAutoFit/>
+          </a:bodyPr>
+          <a:lstStyle/>
+          <a:p>
+            <a:pPr algn="ctr"/>
+            <a:r>
+              <a:rPr lang="pt-BR" sz="1400" b="1" dirty="0" smtClean="0"/>
+              <a:t>Fonte: Elaboração própria.</a:t>
+            </a:r>
+            <a:endParaRPr lang="pt-BR" sz="1400" b="1" dirty="0">
+              <a:effectLst/>
+            </a:endParaRPr>
+          </a:p>
+        </p:txBody>
+      </p:sp>
+    </p:spTree>
+    <p:extLst>
+      <p:ext uri="{BB962C8B-B14F-4D97-AF65-F5344CB8AC3E}">
+        <p14:creationId xmlns:p14="http://schemas.microsoft.com/office/powerpoint/2010/main" val="3043808301"/>
+      </p:ext>
+    </p:extLst>
+  </p:cSld>
+  <p:clrMapOvr>
+    <a:masterClrMapping/>
+  </p:clrMapOvr>
+  <p:timing>
+    <p:tnLst>
+      <p:par>
+        <p:cTn id="1" dur="indefinite" restart="never" nodeType="tmRoot"/>
+      </p:par>
+    </p:tnLst>
+  </p:timing>
+</p:sld>
+</file>
+
+<file path=ppt/slides/slide17.xml><?xml version="1.0" encoding="utf-8"?>
+<p:sld xmlns:a="http://schemas.openxmlformats.org/drawingml/2006/main" xmlns:r="http://schemas.openxmlformats.org/officeDocument/2006/relationships" xmlns:p="http://schemas.openxmlformats.org/presentationml/2006/main">
+  <p:cSld>
+    <p:spTree>
+      <p:nvGrpSpPr>
+        <p:cNvPr id="1" name=""/>
+        <p:cNvGrpSpPr/>
+        <p:nvPr/>
+      </p:nvGrpSpPr>
+      <p:grpSpPr>
+        <a:xfrm>
+          <a:off x="0" y="0"/>
+          <a:ext cx="0" cy="0"/>
+          <a:chOff x="0" y="0"/>
+          <a:chExt cx="0" cy="0"/>
+        </a:xfrm>
+      </p:grpSpPr>
+      <p:sp>
+        <p:nvSpPr>
+          <p:cNvPr id="2" name="Título 1"/>
+          <p:cNvSpPr>
+            <a:spLocks noGrp="1"/>
+          </p:cNvSpPr>
+          <p:nvPr>
+            <p:ph type="title"/>
+          </p:nvPr>
+        </p:nvSpPr>
+        <p:spPr/>
+        <p:txBody>
+          <a:bodyPr/>
+          <a:lstStyle/>
+          <a:p>
+            <a:r>
+              <a:rPr lang="pt-BR" dirty="0"/>
+              <a:t>Resultados</a:t>
+            </a:r>
+          </a:p>
+        </p:txBody>
+      </p:sp>
+      <p:sp>
+        <p:nvSpPr>
+          <p:cNvPr id="4" name="Espaço Reservado para Número de Slide 3"/>
+          <p:cNvSpPr>
+            <a:spLocks noGrp="1"/>
+          </p:cNvSpPr>
+          <p:nvPr>
+            <p:ph type="sldNum" sz="quarter" idx="12"/>
+          </p:nvPr>
+        </p:nvSpPr>
+        <p:spPr/>
+        <p:txBody>
+          <a:bodyPr/>
+          <a:lstStyle/>
+          <a:p>
+            <a:fld id="{859F97CD-EE65-4132-8581-7CD3042152B7}" type="slidenum">
+              <a:rPr lang="pt-BR" smtClean="0"/>
+              <a:t>17</a:t>
             </a:fld>
             <a:endParaRPr lang="pt-BR"/>
           </a:p>
@@ -5281,7 +5487,7 @@
 </p:sld>
 </file>
 
-<file path=ppt/slides/slide17.xml><?xml version="1.0" encoding="utf-8"?>
+<file path=ppt/slides/slide18.xml><?xml version="1.0" encoding="utf-8"?>
 <p:sld xmlns:a="http://schemas.openxmlformats.org/drawingml/2006/main" xmlns:r="http://schemas.openxmlformats.org/officeDocument/2006/relationships" xmlns:p="http://schemas.openxmlformats.org/presentationml/2006/main">
   <p:cSld>
     <p:spTree>
@@ -5337,7 +5543,7 @@
           <a:p>
             <a:fld id="{859F97CD-EE65-4132-8581-7CD3042152B7}" type="slidenum">
               <a:rPr lang="pt-BR" smtClean="0"/>
-              <a:t>17</a:t>
+              <a:t>18</a:t>
             </a:fld>
             <a:endParaRPr lang="pt-BR"/>
           </a:p>
@@ -5465,7 +5671,7 @@
 </p:sld>
 </file>
 
-<file path=ppt/slides/slide18.xml><?xml version="1.0" encoding="utf-8"?>
+<file path=ppt/slides/slide19.xml><?xml version="1.0" encoding="utf-8"?>
 <p:sld xmlns:a="http://schemas.openxmlformats.org/drawingml/2006/main" xmlns:r="http://schemas.openxmlformats.org/officeDocument/2006/relationships" xmlns:p="http://schemas.openxmlformats.org/presentationml/2006/main">
   <p:cSld>
     <p:spTree>
@@ -5521,7 +5727,7 @@
           <a:p>
             <a:fld id="{859F97CD-EE65-4132-8581-7CD3042152B7}" type="slidenum">
               <a:rPr lang="pt-BR" smtClean="0"/>
-              <a:t>18</a:t>
+              <a:t>19</a:t>
             </a:fld>
             <a:endParaRPr lang="pt-BR"/>
           </a:p>
@@ -5655,122 +5861,6 @@
     <p:extLst>
       <p:ext uri="{BB962C8B-B14F-4D97-AF65-F5344CB8AC3E}">
         <p14:creationId xmlns:p14="http://schemas.microsoft.com/office/powerpoint/2010/main" val="2911581912"/>
-      </p:ext>
-    </p:extLst>
-  </p:cSld>
-  <p:clrMapOvr>
-    <a:masterClrMapping/>
-  </p:clrMapOvr>
-  <p:timing>
-    <p:tnLst>
-      <p:par>
-        <p:cTn id="1" dur="indefinite" restart="never" nodeType="tmRoot"/>
-      </p:par>
-    </p:tnLst>
-  </p:timing>
-</p:sld>
-</file>
-
-<file path=ppt/slides/slide19.xml><?xml version="1.0" encoding="utf-8"?>
-<p:sld xmlns:a="http://schemas.openxmlformats.org/drawingml/2006/main" xmlns:r="http://schemas.openxmlformats.org/officeDocument/2006/relationships" xmlns:p="http://schemas.openxmlformats.org/presentationml/2006/main">
-  <p:cSld>
-    <p:spTree>
-      <p:nvGrpSpPr>
-        <p:cNvPr id="1" name=""/>
-        <p:cNvGrpSpPr/>
-        <p:nvPr/>
-      </p:nvGrpSpPr>
-      <p:grpSpPr>
-        <a:xfrm>
-          <a:off x="0" y="0"/>
-          <a:ext cx="0" cy="0"/>
-          <a:chOff x="0" y="0"/>
-          <a:chExt cx="0" cy="0"/>
-        </a:xfrm>
-      </p:grpSpPr>
-      <p:sp>
-        <p:nvSpPr>
-          <p:cNvPr id="2" name="Espaço Reservado para Texto 1"/>
-          <p:cNvSpPr>
-            <a:spLocks noGrp="1"/>
-          </p:cNvSpPr>
-          <p:nvPr>
-            <p:ph type="body" sz="quarter" idx="10"/>
-          </p:nvPr>
-        </p:nvSpPr>
-        <p:spPr/>
-        <p:txBody>
-          <a:bodyPr/>
-          <a:lstStyle/>
-          <a:p>
-            <a:r>
-              <a:rPr lang="pt-BR" sz="4400" b="1" dirty="0"/>
-              <a:t>DESENVOLVIMENTO DE UM COMPONENTE E MANUTENÇÃO DO SITE DO CURSO DE BACHARELADO EM SISTEMAS DE INFORMAÇÃO DA UFAC</a:t>
-            </a:r>
-            <a:endParaRPr lang="pt-BR" sz="3600" dirty="0">
-              <a:effectLst/>
-            </a:endParaRPr>
-          </a:p>
-        </p:txBody>
-      </p:sp>
-      <p:sp>
-        <p:nvSpPr>
-          <p:cNvPr id="3" name="Espaço Reservado para Texto 2"/>
-          <p:cNvSpPr>
-            <a:spLocks noGrp="1"/>
-          </p:cNvSpPr>
-          <p:nvPr>
-            <p:ph type="body" sz="quarter" idx="11"/>
-          </p:nvPr>
-        </p:nvSpPr>
-        <p:spPr/>
-        <p:txBody>
-          <a:bodyPr/>
-          <a:lstStyle/>
-          <a:p>
-            <a:r>
-              <a:rPr lang="pt-BR" dirty="0" smtClean="0"/>
-              <a:t>Mateus da Silva Costa</a:t>
-            </a:r>
-            <a:endParaRPr lang="pt-BR" dirty="0"/>
-          </a:p>
-        </p:txBody>
-      </p:sp>
-      <p:sp>
-        <p:nvSpPr>
-          <p:cNvPr id="4" name="Espaço Reservado para Texto 3"/>
-          <p:cNvSpPr>
-            <a:spLocks noGrp="1"/>
-          </p:cNvSpPr>
-          <p:nvPr>
-            <p:ph type="body" sz="quarter" idx="12"/>
-          </p:nvPr>
-        </p:nvSpPr>
-        <p:spPr/>
-        <p:txBody>
-          <a:bodyPr/>
-          <a:lstStyle/>
-          <a:p>
-            <a:r>
-              <a:rPr lang="pt-BR" dirty="0" smtClean="0"/>
-              <a:t>Prof. Dr</a:t>
-            </a:r>
-            <a:r>
-              <a:rPr lang="pt-BR" dirty="0"/>
-              <a:t>. Manoel Limeira de Lima Júnior </a:t>
-            </a:r>
-            <a:r>
-              <a:rPr lang="pt-BR" dirty="0" smtClean="0"/>
-              <a:t>Almeida</a:t>
-            </a:r>
-            <a:endParaRPr lang="pt-BR" dirty="0"/>
-          </a:p>
-        </p:txBody>
-      </p:sp>
-    </p:spTree>
-    <p:extLst>
-      <p:ext uri="{BB962C8B-B14F-4D97-AF65-F5344CB8AC3E}">
-        <p14:creationId xmlns:p14="http://schemas.microsoft.com/office/powerpoint/2010/main" val="1961955656"/>
       </p:ext>
     </p:extLst>
   </p:cSld>
@@ -5850,8 +5940,19 @@
           <a:p>
             <a:r>
               <a:rPr lang="pt-BR" dirty="0" smtClean="0"/>
-              <a:t>Estágio Supervisionado</a:t>
-            </a:r>
+              <a:t>Estágio </a:t>
+            </a:r>
+            <a:r>
+              <a:rPr lang="pt-BR" dirty="0" smtClean="0"/>
+              <a:t>Supervisionado</a:t>
+            </a:r>
+          </a:p>
+          <a:p>
+            <a:r>
+              <a:rPr lang="pt-BR" dirty="0" smtClean="0"/>
+              <a:t>Revisão bibliográfica</a:t>
+            </a:r>
+            <a:endParaRPr lang="pt-BR" dirty="0" smtClean="0"/>
           </a:p>
           <a:p>
             <a:r>
@@ -5895,6 +5996,248 @@
     <p:extLst>
       <p:ext uri="{BB962C8B-B14F-4D97-AF65-F5344CB8AC3E}">
         <p14:creationId xmlns:p14="http://schemas.microsoft.com/office/powerpoint/2010/main" val="270889115"/>
+      </p:ext>
+    </p:extLst>
+  </p:cSld>
+  <p:clrMapOvr>
+    <a:masterClrMapping/>
+  </p:clrMapOvr>
+  <p:timing>
+    <p:tnLst>
+      <p:par>
+        <p:cTn id="1" dur="indefinite" restart="never" nodeType="tmRoot"/>
+      </p:par>
+    </p:tnLst>
+  </p:timing>
+</p:sld>
+</file>
+
+<file path=ppt/slides/slide20.xml><?xml version="1.0" encoding="utf-8"?>
+<p:sld xmlns:a="http://schemas.openxmlformats.org/drawingml/2006/main" xmlns:r="http://schemas.openxmlformats.org/officeDocument/2006/relationships" xmlns:p="http://schemas.openxmlformats.org/presentationml/2006/main">
+  <p:cSld>
+    <p:spTree>
+      <p:nvGrpSpPr>
+        <p:cNvPr id="1" name=""/>
+        <p:cNvGrpSpPr/>
+        <p:nvPr/>
+      </p:nvGrpSpPr>
+      <p:grpSpPr>
+        <a:xfrm>
+          <a:off x="0" y="0"/>
+          <a:ext cx="0" cy="0"/>
+          <a:chOff x="0" y="0"/>
+          <a:chExt cx="0" cy="0"/>
+        </a:xfrm>
+      </p:grpSpPr>
+      <p:sp>
+        <p:nvSpPr>
+          <p:cNvPr id="2" name="Título 1"/>
+          <p:cNvSpPr>
+            <a:spLocks noGrp="1"/>
+          </p:cNvSpPr>
+          <p:nvPr>
+            <p:ph type="title"/>
+          </p:nvPr>
+        </p:nvSpPr>
+        <p:spPr/>
+        <p:txBody>
+          <a:bodyPr/>
+          <a:lstStyle/>
+          <a:p>
+            <a:r>
+              <a:rPr lang="pt-BR" dirty="0" smtClean="0"/>
+              <a:t>Considerações finais e recomendações</a:t>
+            </a:r>
+            <a:endParaRPr lang="pt-BR" dirty="0"/>
+          </a:p>
+        </p:txBody>
+      </p:sp>
+      <p:sp>
+        <p:nvSpPr>
+          <p:cNvPr id="3" name="Espaço Reservado para Conteúdo 2"/>
+          <p:cNvSpPr>
+            <a:spLocks noGrp="1"/>
+          </p:cNvSpPr>
+          <p:nvPr>
+            <p:ph idx="1"/>
+          </p:nvPr>
+        </p:nvSpPr>
+        <p:spPr/>
+        <p:txBody>
+          <a:bodyPr/>
+          <a:lstStyle/>
+          <a:p>
+            <a:r>
+              <a:rPr lang="pt-BR" dirty="0" smtClean="0"/>
+              <a:t>O trabalho contribui para a divulgação cientifica e das atividades da curso;</a:t>
+            </a:r>
+            <a:endParaRPr lang="pt-BR" dirty="0"/>
+          </a:p>
+          <a:p>
+            <a:r>
+              <a:rPr lang="pt-BR" dirty="0" smtClean="0"/>
+              <a:t>Realização de manutenção periódicas;</a:t>
+            </a:r>
+          </a:p>
+          <a:p>
+            <a:r>
+              <a:rPr lang="pt-BR" dirty="0" smtClean="0"/>
+              <a:t>Evolução do componente </a:t>
+            </a:r>
+            <a:r>
+              <a:rPr lang="pt-BR" dirty="0" err="1"/>
+              <a:t>A</a:t>
+            </a:r>
+            <a:r>
+              <a:rPr lang="pt-BR" dirty="0" err="1" smtClean="0"/>
+              <a:t>cademic</a:t>
+            </a:r>
+            <a:r>
+              <a:rPr lang="pt-BR" dirty="0" smtClean="0"/>
+              <a:t> Library.</a:t>
+            </a:r>
+          </a:p>
+          <a:p>
+            <a:endParaRPr lang="pt-BR" dirty="0"/>
+          </a:p>
+        </p:txBody>
+      </p:sp>
+      <p:sp>
+        <p:nvSpPr>
+          <p:cNvPr id="4" name="Espaço Reservado para Número de Slide 3"/>
+          <p:cNvSpPr>
+            <a:spLocks noGrp="1"/>
+          </p:cNvSpPr>
+          <p:nvPr>
+            <p:ph type="sldNum" sz="quarter" idx="12"/>
+          </p:nvPr>
+        </p:nvSpPr>
+        <p:spPr/>
+        <p:txBody>
+          <a:bodyPr/>
+          <a:lstStyle/>
+          <a:p>
+            <a:fld id="{859F97CD-EE65-4132-8581-7CD3042152B7}" type="slidenum">
+              <a:rPr lang="pt-BR" smtClean="0"/>
+              <a:t>20</a:t>
+            </a:fld>
+            <a:endParaRPr lang="pt-BR"/>
+          </a:p>
+        </p:txBody>
+      </p:sp>
+    </p:spTree>
+    <p:extLst>
+      <p:ext uri="{BB962C8B-B14F-4D97-AF65-F5344CB8AC3E}">
+        <p14:creationId xmlns:p14="http://schemas.microsoft.com/office/powerpoint/2010/main" val="3799680329"/>
+      </p:ext>
+    </p:extLst>
+  </p:cSld>
+  <p:clrMapOvr>
+    <a:masterClrMapping/>
+  </p:clrMapOvr>
+</p:sld>
+</file>
+
+<file path=ppt/slides/slide21.xml><?xml version="1.0" encoding="utf-8"?>
+<p:sld xmlns:a="http://schemas.openxmlformats.org/drawingml/2006/main" xmlns:r="http://schemas.openxmlformats.org/officeDocument/2006/relationships" xmlns:p="http://schemas.openxmlformats.org/presentationml/2006/main">
+  <p:cSld>
+    <p:spTree>
+      <p:nvGrpSpPr>
+        <p:cNvPr id="1" name=""/>
+        <p:cNvGrpSpPr/>
+        <p:nvPr/>
+      </p:nvGrpSpPr>
+      <p:grpSpPr>
+        <a:xfrm>
+          <a:off x="0" y="0"/>
+          <a:ext cx="0" cy="0"/>
+          <a:chOff x="0" y="0"/>
+          <a:chExt cx="0" cy="0"/>
+        </a:xfrm>
+      </p:grpSpPr>
+      <p:sp>
+        <p:nvSpPr>
+          <p:cNvPr id="2" name="Espaço Reservado para Texto 1"/>
+          <p:cNvSpPr>
+            <a:spLocks noGrp="1"/>
+          </p:cNvSpPr>
+          <p:nvPr>
+            <p:ph type="body" sz="quarter" idx="10"/>
+          </p:nvPr>
+        </p:nvSpPr>
+        <p:spPr/>
+        <p:txBody>
+          <a:bodyPr/>
+          <a:lstStyle/>
+          <a:p>
+            <a:r>
+              <a:rPr lang="pt-BR" sz="4400" b="1" dirty="0"/>
+              <a:t>DESENVOLVIMENTO DE UM COMPONENTE E MANUTENÇÃO DO SITE DO CURSO DE BACHARELADO EM SISTEMAS DE INFORMAÇÃO DA UFAC</a:t>
+            </a:r>
+            <a:endParaRPr lang="pt-BR" sz="3600" dirty="0">
+              <a:effectLst/>
+            </a:endParaRPr>
+          </a:p>
+        </p:txBody>
+      </p:sp>
+      <p:sp>
+        <p:nvSpPr>
+          <p:cNvPr id="3" name="Espaço Reservado para Texto 2"/>
+          <p:cNvSpPr>
+            <a:spLocks noGrp="1"/>
+          </p:cNvSpPr>
+          <p:nvPr>
+            <p:ph type="body" sz="quarter" idx="11"/>
+          </p:nvPr>
+        </p:nvSpPr>
+        <p:spPr/>
+        <p:txBody>
+          <a:bodyPr/>
+          <a:lstStyle/>
+          <a:p>
+            <a:r>
+              <a:rPr lang="pt-BR" dirty="0" smtClean="0"/>
+              <a:t>Mateus da Silva Costa</a:t>
+            </a:r>
+            <a:endParaRPr lang="pt-BR" dirty="0"/>
+          </a:p>
+        </p:txBody>
+      </p:sp>
+      <p:sp>
+        <p:nvSpPr>
+          <p:cNvPr id="4" name="Espaço Reservado para Texto 3"/>
+          <p:cNvSpPr>
+            <a:spLocks noGrp="1"/>
+          </p:cNvSpPr>
+          <p:nvPr>
+            <p:ph type="body" sz="quarter" idx="12"/>
+          </p:nvPr>
+        </p:nvSpPr>
+        <p:spPr/>
+        <p:txBody>
+          <a:bodyPr/>
+          <a:lstStyle/>
+          <a:p>
+            <a:r>
+              <a:rPr lang="pt-BR" dirty="0" smtClean="0"/>
+              <a:t>Prof. Dr</a:t>
+            </a:r>
+            <a:r>
+              <a:rPr lang="pt-BR" dirty="0"/>
+              <a:t>. Manoel Limeira de Lima Júnior </a:t>
+            </a:r>
+            <a:r>
+              <a:rPr lang="pt-BR" dirty="0" smtClean="0"/>
+              <a:t>Almeida</a:t>
+            </a:r>
+            <a:endParaRPr lang="pt-BR" dirty="0"/>
+          </a:p>
+        </p:txBody>
+      </p:sp>
+    </p:spTree>
+    <p:extLst>
+      <p:ext uri="{BB962C8B-B14F-4D97-AF65-F5344CB8AC3E}">
+        <p14:creationId xmlns:p14="http://schemas.microsoft.com/office/powerpoint/2010/main" val="1961955656"/>
       </p:ext>
     </p:extLst>
   </p:cSld>
@@ -6205,6 +6548,203 @@
           <a:p>
             <a:r>
               <a:rPr lang="pt-BR" dirty="0" smtClean="0"/>
+              <a:t>Revisão bibliográfica</a:t>
+            </a:r>
+            <a:endParaRPr lang="pt-BR" dirty="0"/>
+          </a:p>
+        </p:txBody>
+      </p:sp>
+      <p:sp>
+        <p:nvSpPr>
+          <p:cNvPr id="4" name="Espaço Reservado para Número de Slide 3"/>
+          <p:cNvSpPr>
+            <a:spLocks noGrp="1"/>
+          </p:cNvSpPr>
+          <p:nvPr>
+            <p:ph type="sldNum" sz="quarter" idx="12"/>
+          </p:nvPr>
+        </p:nvSpPr>
+        <p:spPr/>
+        <p:txBody>
+          <a:bodyPr/>
+          <a:lstStyle/>
+          <a:p>
+            <a:fld id="{859F97CD-EE65-4132-8581-7CD3042152B7}" type="slidenum">
+              <a:rPr lang="pt-BR" smtClean="0"/>
+              <a:t>5</a:t>
+            </a:fld>
+            <a:endParaRPr lang="pt-BR"/>
+          </a:p>
+        </p:txBody>
+      </p:sp>
+      <p:pic>
+        <p:nvPicPr>
+          <p:cNvPr id="1026" name="Picture 2" descr="Resultado de imagem para Joomla logo"/>
+          <p:cNvPicPr>
+            <a:picLocks noChangeAspect="1" noChangeArrowheads="1"/>
+          </p:cNvPicPr>
+          <p:nvPr/>
+        </p:nvPicPr>
+        <p:blipFill rotWithShape="1">
+          <a:blip r:embed="rId2">
+            <a:extLst>
+              <a:ext uri="{28A0092B-C50C-407E-A947-70E740481C1C}">
+                <a14:useLocalDpi xmlns:a14="http://schemas.microsoft.com/office/drawing/2010/main" val="0"/>
+              </a:ext>
+            </a:extLst>
+          </a:blip>
+          <a:srcRect l="15099" t="18000" r="14659" b="17636"/>
+          <a:stretch/>
+        </p:blipFill>
+        <p:spPr bwMode="auto">
+          <a:xfrm>
+            <a:off x="882895" y="2930991"/>
+            <a:ext cx="2646215" cy="2014538"/>
+          </a:xfrm>
+          <a:prstGeom prst="rect">
+            <a:avLst/>
+          </a:prstGeom>
+          <a:noFill/>
+          <a:extLst>
+            <a:ext uri="{909E8E84-426E-40DD-AFC4-6F175D3DCCD1}">
+              <a14:hiddenFill xmlns:a14="http://schemas.microsoft.com/office/drawing/2010/main">
+                <a:solidFill>
+                  <a:srgbClr val="FFFFFF"/>
+                </a:solidFill>
+              </a14:hiddenFill>
+            </a:ext>
+          </a:extLst>
+        </p:spPr>
+      </p:pic>
+      <p:pic>
+        <p:nvPicPr>
+          <p:cNvPr id="1028" name="Picture 4" descr="Resultado de imagem para php logo"/>
+          <p:cNvPicPr>
+            <a:picLocks noChangeAspect="1" noChangeArrowheads="1"/>
+          </p:cNvPicPr>
+          <p:nvPr/>
+        </p:nvPicPr>
+        <p:blipFill>
+          <a:blip r:embed="rId3">
+            <a:extLst>
+              <a:ext uri="{28A0092B-C50C-407E-A947-70E740481C1C}">
+                <a14:useLocalDpi xmlns:a14="http://schemas.microsoft.com/office/drawing/2010/main" val="0"/>
+              </a:ext>
+            </a:extLst>
+          </a:blip>
+          <a:srcRect/>
+          <a:stretch>
+            <a:fillRect/>
+          </a:stretch>
+        </p:blipFill>
+        <p:spPr bwMode="auto">
+          <a:xfrm>
+            <a:off x="4261870" y="3044797"/>
+            <a:ext cx="3309938" cy="1786927"/>
+          </a:xfrm>
+          <a:prstGeom prst="rect">
+            <a:avLst/>
+          </a:prstGeom>
+          <a:noFill/>
+          <a:extLst>
+            <a:ext uri="{909E8E84-426E-40DD-AFC4-6F175D3DCCD1}">
+              <a14:hiddenFill xmlns:a14="http://schemas.microsoft.com/office/drawing/2010/main">
+                <a:solidFill>
+                  <a:srgbClr val="FFFFFF"/>
+                </a:solidFill>
+              </a14:hiddenFill>
+            </a:ext>
+          </a:extLst>
+        </p:spPr>
+      </p:pic>
+      <p:pic>
+        <p:nvPicPr>
+          <p:cNvPr id="1030" name="Picture 6" descr="Resultado de imagem para mysql logo"/>
+          <p:cNvPicPr>
+            <a:picLocks noChangeAspect="1" noChangeArrowheads="1"/>
+          </p:cNvPicPr>
+          <p:nvPr/>
+        </p:nvPicPr>
+        <p:blipFill>
+          <a:blip r:embed="rId4">
+            <a:extLst>
+              <a:ext uri="{28A0092B-C50C-407E-A947-70E740481C1C}">
+                <a14:useLocalDpi xmlns:a14="http://schemas.microsoft.com/office/drawing/2010/main" val="0"/>
+              </a:ext>
+            </a:extLst>
+          </a:blip>
+          <a:srcRect/>
+          <a:stretch>
+            <a:fillRect/>
+          </a:stretch>
+        </p:blipFill>
+        <p:spPr bwMode="auto">
+          <a:xfrm>
+            <a:off x="8104543" y="2922303"/>
+            <a:ext cx="3047871" cy="2031914"/>
+          </a:xfrm>
+          <a:prstGeom prst="rect">
+            <a:avLst/>
+          </a:prstGeom>
+          <a:noFill/>
+          <a:extLst>
+            <a:ext uri="{909E8E84-426E-40DD-AFC4-6F175D3DCCD1}">
+              <a14:hiddenFill xmlns:a14="http://schemas.microsoft.com/office/drawing/2010/main">
+                <a:solidFill>
+                  <a:srgbClr val="FFFFFF"/>
+                </a:solidFill>
+              </a14:hiddenFill>
+            </a:ext>
+          </a:extLst>
+        </p:spPr>
+      </p:pic>
+    </p:spTree>
+    <p:extLst>
+      <p:ext uri="{BB962C8B-B14F-4D97-AF65-F5344CB8AC3E}">
+        <p14:creationId xmlns:p14="http://schemas.microsoft.com/office/powerpoint/2010/main" val="1123254465"/>
+      </p:ext>
+    </p:extLst>
+  </p:cSld>
+  <p:clrMapOvr>
+    <a:masterClrMapping/>
+  </p:clrMapOvr>
+</p:sld>
+</file>
+
+<file path=ppt/slides/slide6.xml><?xml version="1.0" encoding="utf-8"?>
+<p:sld xmlns:a="http://schemas.openxmlformats.org/drawingml/2006/main" xmlns:r="http://schemas.openxmlformats.org/officeDocument/2006/relationships" xmlns:p="http://schemas.openxmlformats.org/presentationml/2006/main">
+  <p:cSld>
+    <p:spTree>
+      <p:nvGrpSpPr>
+        <p:cNvPr id="1" name=""/>
+        <p:cNvGrpSpPr/>
+        <p:nvPr/>
+      </p:nvGrpSpPr>
+      <p:grpSpPr>
+        <a:xfrm>
+          <a:off x="0" y="0"/>
+          <a:ext cx="0" cy="0"/>
+          <a:chOff x="0" y="0"/>
+          <a:chExt cx="0" cy="0"/>
+        </a:xfrm>
+      </p:grpSpPr>
+      <p:sp>
+        <p:nvSpPr>
+          <p:cNvPr id="2" name="Título 1"/>
+          <p:cNvSpPr>
+            <a:spLocks noGrp="1"/>
+          </p:cNvSpPr>
+          <p:nvPr>
+            <p:ph type="title"/>
+          </p:nvPr>
+        </p:nvSpPr>
+        <p:spPr/>
+        <p:txBody>
+          <a:bodyPr/>
+          <a:lstStyle/>
+          <a:p>
+            <a:r>
+              <a:rPr lang="pt-BR" dirty="0" smtClean="0"/>
               <a:t>Atividades Desenvolvidas</a:t>
             </a:r>
             <a:endParaRPr lang="pt-BR" dirty="0"/>
@@ -6309,7 +6849,7 @@
           <a:p>
             <a:fld id="{859F97CD-EE65-4132-8581-7CD3042152B7}" type="slidenum">
               <a:rPr lang="pt-BR" smtClean="0"/>
-              <a:t>5</a:t>
+              <a:t>6</a:t>
             </a:fld>
             <a:endParaRPr lang="pt-BR"/>
           </a:p>
@@ -6335,7 +6875,7 @@
 </p:sld>
 </file>
 
-<file path=ppt/slides/slide6.xml><?xml version="1.0" encoding="utf-8"?>
+<file path=ppt/slides/slide7.xml><?xml version="1.0" encoding="utf-8"?>
 <p:sld xmlns:a="http://schemas.openxmlformats.org/drawingml/2006/main" xmlns:r="http://schemas.openxmlformats.org/officeDocument/2006/relationships" xmlns:p="http://schemas.openxmlformats.org/presentationml/2006/main">
   <p:cSld>
     <p:spTree>
@@ -8173,7 +8713,7 @@
           <a:p>
             <a:fld id="{859F97CD-EE65-4132-8581-7CD3042152B7}" type="slidenum">
               <a:rPr lang="pt-BR" smtClean="0"/>
-              <a:t>6</a:t>
+              <a:t>7</a:t>
             </a:fld>
             <a:endParaRPr lang="pt-BR"/>
           </a:p>
@@ -8269,7 +8809,7 @@
 </p:sld>
 </file>
 
-<file path=ppt/slides/slide7.xml><?xml version="1.0" encoding="utf-8"?>
+<file path=ppt/slides/slide8.xml><?xml version="1.0" encoding="utf-8"?>
 <p:sld xmlns:a="http://schemas.openxmlformats.org/drawingml/2006/main" xmlns:r="http://schemas.openxmlformats.org/officeDocument/2006/relationships" xmlns:p="http://schemas.openxmlformats.org/presentationml/2006/main">
   <p:cSld>
     <p:spTree>
@@ -8371,7 +8911,7 @@
           <a:p>
             <a:fld id="{859F97CD-EE65-4132-8581-7CD3042152B7}" type="slidenum">
               <a:rPr lang="pt-BR" smtClean="0"/>
-              <a:t>7</a:t>
+              <a:t>8</a:t>
             </a:fld>
             <a:endParaRPr lang="pt-BR"/>
           </a:p>
@@ -8397,7 +8937,7 @@
 </p:sld>
 </file>
 
-<file path=ppt/slides/slide8.xml><?xml version="1.0" encoding="utf-8"?>
+<file path=ppt/slides/slide9.xml><?xml version="1.0" encoding="utf-8"?>
 <p:sld xmlns:a="http://schemas.openxmlformats.org/drawingml/2006/main" xmlns:r="http://schemas.openxmlformats.org/officeDocument/2006/relationships" xmlns:p="http://schemas.openxmlformats.org/presentationml/2006/main">
   <p:cSld>
     <p:spTree>
@@ -9538,7 +10078,7 @@
           <a:p>
             <a:fld id="{859F97CD-EE65-4132-8581-7CD3042152B7}" type="slidenum">
               <a:rPr lang="pt-BR" smtClean="0"/>
-              <a:t>8</a:t>
+              <a:t>9</a:t>
             </a:fld>
             <a:endParaRPr lang="pt-BR"/>
           </a:p>
@@ -9618,278 +10158,6 @@
     <p:extLst>
       <p:ext uri="{BB962C8B-B14F-4D97-AF65-F5344CB8AC3E}">
         <p14:creationId xmlns:p14="http://schemas.microsoft.com/office/powerpoint/2010/main" val="1882107205"/>
-      </p:ext>
-    </p:extLst>
-  </p:cSld>
-  <p:clrMapOvr>
-    <a:masterClrMapping/>
-  </p:clrMapOvr>
-  <p:timing>
-    <p:tnLst>
-      <p:par>
-        <p:cTn id="1" dur="indefinite" restart="never" nodeType="tmRoot"/>
-      </p:par>
-    </p:tnLst>
-  </p:timing>
-</p:sld>
-</file>
-
-<file path=ppt/slides/slide9.xml><?xml version="1.0" encoding="utf-8"?>
-<p:sld xmlns:a="http://schemas.openxmlformats.org/drawingml/2006/main" xmlns:r="http://schemas.openxmlformats.org/officeDocument/2006/relationships" xmlns:p="http://schemas.openxmlformats.org/presentationml/2006/main">
-  <p:cSld>
-    <p:spTree>
-      <p:nvGrpSpPr>
-        <p:cNvPr id="1" name=""/>
-        <p:cNvGrpSpPr/>
-        <p:nvPr/>
-      </p:nvGrpSpPr>
-      <p:grpSpPr>
-        <a:xfrm>
-          <a:off x="0" y="0"/>
-          <a:ext cx="0" cy="0"/>
-          <a:chOff x="0" y="0"/>
-          <a:chExt cx="0" cy="0"/>
-        </a:xfrm>
-      </p:grpSpPr>
-      <p:sp>
-        <p:nvSpPr>
-          <p:cNvPr id="2" name="Título 1"/>
-          <p:cNvSpPr>
-            <a:spLocks noGrp="1"/>
-          </p:cNvSpPr>
-          <p:nvPr>
-            <p:ph type="title"/>
-          </p:nvPr>
-        </p:nvSpPr>
-        <p:spPr>
-          <a:xfrm>
-            <a:off x="624113" y="462509"/>
-            <a:ext cx="11102665" cy="1057662"/>
-          </a:xfrm>
-        </p:spPr>
-        <p:txBody>
-          <a:bodyPr>
-            <a:normAutofit/>
-          </a:bodyPr>
-          <a:lstStyle/>
-          <a:p>
-            <a:r>
-              <a:rPr lang="pt-BR" dirty="0"/>
-              <a:t>Modelagem de casos de uso e de banco de dados</a:t>
-            </a:r>
-          </a:p>
-        </p:txBody>
-      </p:sp>
-      <p:sp>
-        <p:nvSpPr>
-          <p:cNvPr id="4" name="Espaço Reservado para Número de Slide 3"/>
-          <p:cNvSpPr>
-            <a:spLocks noGrp="1"/>
-          </p:cNvSpPr>
-          <p:nvPr>
-            <p:ph type="sldNum" sz="quarter" idx="12"/>
-          </p:nvPr>
-        </p:nvSpPr>
-        <p:spPr/>
-        <p:txBody>
-          <a:bodyPr/>
-          <a:lstStyle/>
-          <a:p>
-            <a:fld id="{859F97CD-EE65-4132-8581-7CD3042152B7}" type="slidenum">
-              <a:rPr lang="pt-BR" smtClean="0"/>
-              <a:t>9</a:t>
-            </a:fld>
-            <a:endParaRPr lang="pt-BR"/>
-          </a:p>
-        </p:txBody>
-      </p:sp>
-      <p:pic>
-        <p:nvPicPr>
-          <p:cNvPr id="5" name="Imagem 4"/>
-          <p:cNvPicPr>
-            <a:picLocks noChangeAspect="1"/>
-          </p:cNvPicPr>
-          <p:nvPr/>
-        </p:nvPicPr>
-        <p:blipFill rotWithShape="1">
-          <a:blip r:embed="rId2"/>
-          <a:srcRect l="6023" t="9240" r="11006" b="9055"/>
-          <a:stretch/>
-        </p:blipFill>
-        <p:spPr>
-          <a:xfrm>
-            <a:off x="914400" y="1932432"/>
-            <a:ext cx="3997959" cy="3645408"/>
-          </a:xfrm>
-          <a:prstGeom prst="rect">
-            <a:avLst/>
-          </a:prstGeom>
-        </p:spPr>
-      </p:pic>
-      <p:sp>
-        <p:nvSpPr>
-          <p:cNvPr id="6" name="CaixaDeTexto 5"/>
-          <p:cNvSpPr txBox="1"/>
-          <p:nvPr/>
-        </p:nvSpPr>
-        <p:spPr>
-          <a:xfrm>
-            <a:off x="914400" y="1593878"/>
-            <a:ext cx="3986785" cy="307777"/>
-          </a:xfrm>
-          <a:prstGeom prst="rect">
-            <a:avLst/>
-          </a:prstGeom>
-          <a:noFill/>
-        </p:spPr>
-        <p:txBody>
-          <a:bodyPr wrap="square" rtlCol="0">
-            <a:spAutoFit/>
-          </a:bodyPr>
-          <a:lstStyle/>
-          <a:p>
-            <a:pPr algn="ctr"/>
-            <a:r>
-              <a:rPr lang="pt-BR" sz="1400" b="1" dirty="0" smtClean="0"/>
-              <a:t>Figura 1 – </a:t>
-            </a:r>
-            <a:r>
-              <a:rPr lang="pt-BR" sz="1400" b="1" dirty="0"/>
-              <a:t>Diagrama de casos de uso</a:t>
-            </a:r>
-            <a:endParaRPr lang="pt-BR" sz="1400" dirty="0">
-              <a:effectLst/>
-            </a:endParaRPr>
-          </a:p>
-        </p:txBody>
-      </p:sp>
-      <p:sp>
-        <p:nvSpPr>
-          <p:cNvPr id="7" name="CaixaDeTexto 6"/>
-          <p:cNvSpPr txBox="1"/>
-          <p:nvPr/>
-        </p:nvSpPr>
-        <p:spPr>
-          <a:xfrm>
-            <a:off x="914401" y="5593080"/>
-            <a:ext cx="3986784" cy="307777"/>
-          </a:xfrm>
-          <a:prstGeom prst="rect">
-            <a:avLst/>
-          </a:prstGeom>
-          <a:noFill/>
-        </p:spPr>
-        <p:txBody>
-          <a:bodyPr wrap="square" rtlCol="0">
-            <a:spAutoFit/>
-          </a:bodyPr>
-          <a:lstStyle/>
-          <a:p>
-            <a:pPr algn="ctr"/>
-            <a:r>
-              <a:rPr lang="pt-BR" sz="1400" b="1" dirty="0" smtClean="0"/>
-              <a:t>Fonte: Elaboração própria.</a:t>
-            </a:r>
-            <a:endParaRPr lang="pt-BR" sz="1400" b="1" dirty="0">
-              <a:effectLst/>
-            </a:endParaRPr>
-          </a:p>
-        </p:txBody>
-      </p:sp>
-      <p:pic>
-        <p:nvPicPr>
-          <p:cNvPr id="8" name="Imagem 7"/>
-          <p:cNvPicPr>
-            <a:picLocks noChangeAspect="1"/>
-          </p:cNvPicPr>
-          <p:nvPr/>
-        </p:nvPicPr>
-        <p:blipFill>
-          <a:blip r:embed="rId3"/>
-          <a:stretch>
-            <a:fillRect/>
-          </a:stretch>
-        </p:blipFill>
-        <p:spPr>
-          <a:xfrm>
-            <a:off x="5903496" y="1901655"/>
-            <a:ext cx="5133472" cy="3689047"/>
-          </a:xfrm>
-          <a:prstGeom prst="rect">
-            <a:avLst/>
-          </a:prstGeom>
-        </p:spPr>
-      </p:pic>
-      <p:sp>
-        <p:nvSpPr>
-          <p:cNvPr id="9" name="CaixaDeTexto 8"/>
-          <p:cNvSpPr txBox="1"/>
-          <p:nvPr/>
-        </p:nvSpPr>
-        <p:spPr>
-          <a:xfrm>
-            <a:off x="5903496" y="1593878"/>
-            <a:ext cx="5133472" cy="307777"/>
-          </a:xfrm>
-          <a:prstGeom prst="rect">
-            <a:avLst/>
-          </a:prstGeom>
-          <a:noFill/>
-        </p:spPr>
-        <p:txBody>
-          <a:bodyPr wrap="square" rtlCol="0">
-            <a:spAutoFit/>
-          </a:bodyPr>
-          <a:lstStyle/>
-          <a:p>
-            <a:pPr algn="ctr"/>
-            <a:r>
-              <a:rPr lang="pt-BR" sz="1400" b="1" dirty="0" smtClean="0"/>
-              <a:t>Figura 2 – Diagrama entidade-relacionamento</a:t>
-            </a:r>
-            <a:endParaRPr lang="pt-BR" sz="1400" dirty="0">
-              <a:effectLst/>
-            </a:endParaRPr>
-          </a:p>
-        </p:txBody>
-      </p:sp>
-      <p:sp>
-        <p:nvSpPr>
-          <p:cNvPr id="10" name="CaixaDeTexto 9"/>
-          <p:cNvSpPr txBox="1"/>
-          <p:nvPr/>
-        </p:nvSpPr>
-        <p:spPr>
-          <a:xfrm>
-            <a:off x="5903496" y="5593080"/>
-            <a:ext cx="5133472" cy="307777"/>
-          </a:xfrm>
-          <a:prstGeom prst="rect">
-            <a:avLst/>
-          </a:prstGeom>
-          <a:noFill/>
-        </p:spPr>
-        <p:txBody>
-          <a:bodyPr wrap="square" rtlCol="0">
-            <a:spAutoFit/>
-          </a:bodyPr>
-          <a:lstStyle/>
-          <a:p>
-            <a:pPr algn="ctr"/>
-            <a:r>
-              <a:rPr lang="pt-BR" sz="1400" b="1" dirty="0" smtClean="0"/>
-              <a:t>Fonte: Elaboração própria.</a:t>
-            </a:r>
-            <a:endParaRPr lang="pt-BR" sz="1400" b="1" dirty="0">
-              <a:effectLst/>
-            </a:endParaRPr>
-          </a:p>
-        </p:txBody>
-      </p:sp>
-    </p:spTree>
-    <p:extLst>
-      <p:ext uri="{BB962C8B-B14F-4D97-AF65-F5344CB8AC3E}">
-        <p14:creationId xmlns:p14="http://schemas.microsoft.com/office/powerpoint/2010/main" val="2526654937"/>
       </p:ext>
     </p:extLst>
   </p:cSld>

--- a/Relatório de Estagio/Apresentação.pptx
+++ b/Relatório de Estagio/Apresentação.pptx
@@ -5,7 +5,7 @@
     <p:sldMasterId id="2147483660" r:id="rId1"/>
   </p:sldMasterIdLst>
   <p:notesMasterIdLst>
-    <p:notesMasterId r:id="rId23"/>
+    <p:notesMasterId r:id="rId24"/>
   </p:notesMasterIdLst>
   <p:sldIdLst>
     <p:sldId id="256" r:id="rId2"/>
@@ -19,16 +19,17 @@
     <p:sldId id="266" r:id="rId10"/>
     <p:sldId id="268" r:id="rId11"/>
     <p:sldId id="269" r:id="rId12"/>
-    <p:sldId id="270" r:id="rId13"/>
-    <p:sldId id="271" r:id="rId14"/>
-    <p:sldId id="262" r:id="rId15"/>
-    <p:sldId id="272" r:id="rId16"/>
-    <p:sldId id="263" r:id="rId17"/>
-    <p:sldId id="274" r:id="rId18"/>
-    <p:sldId id="275" r:id="rId19"/>
-    <p:sldId id="276" r:id="rId20"/>
-    <p:sldId id="278" r:id="rId21"/>
-    <p:sldId id="264" r:id="rId22"/>
+    <p:sldId id="279" r:id="rId13"/>
+    <p:sldId id="270" r:id="rId14"/>
+    <p:sldId id="271" r:id="rId15"/>
+    <p:sldId id="262" r:id="rId16"/>
+    <p:sldId id="272" r:id="rId17"/>
+    <p:sldId id="263" r:id="rId18"/>
+    <p:sldId id="274" r:id="rId19"/>
+    <p:sldId id="275" r:id="rId20"/>
+    <p:sldId id="276" r:id="rId21"/>
+    <p:sldId id="278" r:id="rId22"/>
+    <p:sldId id="280" r:id="rId23"/>
   </p:sldIdLst>
   <p:sldSz cx="12192000" cy="6858000"/>
   <p:notesSz cx="6858000" cy="9144000"/>
@@ -228,7 +229,7 @@
           <a:p>
             <a:fld id="{D4D70E4E-2AB7-42B4-9F60-3A2E273C7910}" type="datetimeFigureOut">
               <a:rPr lang="pt-BR" smtClean="0"/>
-              <a:t>15/10/2019</a:t>
+              <a:t>18/11/2019</a:t>
             </a:fld>
             <a:endParaRPr lang="pt-BR"/>
           </a:p>
@@ -497,6 +498,98 @@
 </file>
 
 <file path=ppt/notesSlides/notesSlide1.xml><?xml version="1.0" encoding="utf-8"?>
+<p:notes xmlns:a="http://schemas.openxmlformats.org/drawingml/2006/main" xmlns:r="http://schemas.openxmlformats.org/officeDocument/2006/relationships" xmlns:p="http://schemas.openxmlformats.org/presentationml/2006/main">
+  <p:cSld>
+    <p:spTree>
+      <p:nvGrpSpPr>
+        <p:cNvPr id="1" name=""/>
+        <p:cNvGrpSpPr/>
+        <p:nvPr/>
+      </p:nvGrpSpPr>
+      <p:grpSpPr>
+        <a:xfrm>
+          <a:off x="0" y="0"/>
+          <a:ext cx="0" cy="0"/>
+          <a:chOff x="0" y="0"/>
+          <a:chExt cx="0" cy="0"/>
+        </a:xfrm>
+      </p:grpSpPr>
+      <p:sp>
+        <p:nvSpPr>
+          <p:cNvPr id="2" name="Espaço Reservado para Imagem de Slide 1"/>
+          <p:cNvSpPr>
+            <a:spLocks noGrp="1" noRot="1" noChangeAspect="1"/>
+          </p:cNvSpPr>
+          <p:nvPr>
+            <p:ph type="sldImg"/>
+          </p:nvPr>
+        </p:nvSpPr>
+        <p:spPr/>
+      </p:sp>
+      <p:sp>
+        <p:nvSpPr>
+          <p:cNvPr id="3" name="Espaço Reservado para Anotações 2"/>
+          <p:cNvSpPr>
+            <a:spLocks noGrp="1"/>
+          </p:cNvSpPr>
+          <p:nvPr>
+            <p:ph type="body" idx="1"/>
+          </p:nvPr>
+        </p:nvSpPr>
+        <p:spPr/>
+        <p:txBody>
+          <a:bodyPr/>
+          <a:lstStyle/>
+          <a:p>
+            <a:r>
+              <a:rPr lang="pt-BR" dirty="0" err="1" smtClean="0"/>
+              <a:t>Resaltar</a:t>
+            </a:r>
+            <a:r>
+              <a:rPr lang="pt-BR" dirty="0" smtClean="0"/>
+              <a:t> o tipo da atividade</a:t>
+            </a:r>
+            <a:endParaRPr lang="pt-BR" dirty="0"/>
+          </a:p>
+        </p:txBody>
+      </p:sp>
+      <p:sp>
+        <p:nvSpPr>
+          <p:cNvPr id="4" name="Espaço Reservado para Número de Slide 3"/>
+          <p:cNvSpPr>
+            <a:spLocks noGrp="1"/>
+          </p:cNvSpPr>
+          <p:nvPr>
+            <p:ph type="sldNum" sz="quarter" idx="10"/>
+          </p:nvPr>
+        </p:nvSpPr>
+        <p:spPr/>
+        <p:txBody>
+          <a:bodyPr/>
+          <a:lstStyle/>
+          <a:p>
+            <a:fld id="{E765FC00-05BA-4CB9-BF9F-3BE9E789CF31}" type="slidenum">
+              <a:rPr lang="pt-BR" smtClean="0"/>
+              <a:t>7</a:t>
+            </a:fld>
+            <a:endParaRPr lang="pt-BR"/>
+          </a:p>
+        </p:txBody>
+      </p:sp>
+    </p:spTree>
+    <p:extLst>
+      <p:ext uri="{BB962C8B-B14F-4D97-AF65-F5344CB8AC3E}">
+        <p14:creationId xmlns:p14="http://schemas.microsoft.com/office/powerpoint/2010/main" val="2792026085"/>
+      </p:ext>
+    </p:extLst>
+  </p:cSld>
+  <p:clrMapOvr>
+    <a:masterClrMapping/>
+  </p:clrMapOvr>
+</p:notes>
+</file>
+
+<file path=ppt/notesSlides/notesSlide2.xml><?xml version="1.0" encoding="utf-8"?>
 <p:notes xmlns:a="http://schemas.openxmlformats.org/drawingml/2006/main" xmlns:r="http://schemas.openxmlformats.org/officeDocument/2006/relationships" xmlns:p="http://schemas.openxmlformats.org/presentationml/2006/main">
   <p:cSld>
     <p:spTree>
@@ -4189,7 +4282,7 @@
       </p:sp>
       <p:pic>
         <p:nvPicPr>
-          <p:cNvPr id="5" name="Imagem 4"/>
+          <p:cNvPr id="7" name="Imagem 6"/>
           <p:cNvPicPr>
             <a:picLocks noChangeAspect="1"/>
           </p:cNvPicPr>
@@ -4197,42 +4290,19 @@
         </p:nvPicPr>
         <p:blipFill rotWithShape="1">
           <a:blip r:embed="rId2"/>
-          <a:srcRect r="19549"/>
+          <a:srcRect r="20339" b="44520"/>
           <a:stretch/>
         </p:blipFill>
         <p:spPr>
           <a:xfrm>
-            <a:off x="6516996" y="2053093"/>
-            <a:ext cx="5096552" cy="3561644"/>
+            <a:off x="1289499" y="1958551"/>
+            <a:ext cx="9634311" cy="3775852"/>
           </a:xfrm>
           <a:prstGeom prst="rect">
             <a:avLst/>
           </a:prstGeom>
         </p:spPr>
       </p:pic>
-      <p:pic>
-        <p:nvPicPr>
-          <p:cNvPr id="7" name="Imagem 6"/>
-          <p:cNvPicPr>
-            <a:picLocks noChangeAspect="1"/>
-          </p:cNvPicPr>
-          <p:nvPr/>
-        </p:nvPicPr>
-        <p:blipFill rotWithShape="1">
-          <a:blip r:embed="rId3"/>
-          <a:srcRect r="20339"/>
-          <a:stretch/>
-        </p:blipFill>
-        <p:spPr>
-          <a:xfrm>
-            <a:off x="624114" y="2053093"/>
-            <a:ext cx="5041836" cy="3561644"/>
-          </a:xfrm>
-          <a:prstGeom prst="rect">
-            <a:avLst/>
-          </a:prstGeom>
-        </p:spPr>
-      </p:pic>
       <p:sp>
         <p:nvSpPr>
           <p:cNvPr id="8" name="CaixaDeTexto 7"/>
@@ -4241,7 +4311,7 @@
         </p:nvSpPr>
         <p:spPr>
           <a:xfrm>
-            <a:off x="624114" y="1722214"/>
+            <a:off x="3585736" y="1636486"/>
             <a:ext cx="5041836" cy="307777"/>
           </a:xfrm>
           <a:prstGeom prst="rect">
@@ -4274,73 +4344,7 @@
         </p:nvSpPr>
         <p:spPr>
           <a:xfrm>
-            <a:off x="914401" y="5593080"/>
-            <a:ext cx="3986784" cy="307777"/>
-          </a:xfrm>
-          <a:prstGeom prst="rect">
-            <a:avLst/>
-          </a:prstGeom>
-          <a:noFill/>
-        </p:spPr>
-        <p:txBody>
-          <a:bodyPr wrap="square" rtlCol="0">
-            <a:spAutoFit/>
-          </a:bodyPr>
-          <a:lstStyle/>
-          <a:p>
-            <a:pPr algn="ctr"/>
-            <a:r>
-              <a:rPr lang="pt-BR" sz="1400" b="1" dirty="0" smtClean="0"/>
-              <a:t>Fonte: Elaboração própria.</a:t>
-            </a:r>
-            <a:endParaRPr lang="pt-BR" sz="1400" b="1" dirty="0">
-              <a:effectLst/>
-            </a:endParaRPr>
-          </a:p>
-        </p:txBody>
-      </p:sp>
-      <p:sp>
-        <p:nvSpPr>
-          <p:cNvPr id="10" name="CaixaDeTexto 9"/>
-          <p:cNvSpPr txBox="1"/>
-          <p:nvPr/>
-        </p:nvSpPr>
-        <p:spPr>
-          <a:xfrm>
-            <a:off x="6516996" y="1729274"/>
-            <a:ext cx="5096551" cy="307777"/>
-          </a:xfrm>
-          <a:prstGeom prst="rect">
-            <a:avLst/>
-          </a:prstGeom>
-          <a:noFill/>
-        </p:spPr>
-        <p:txBody>
-          <a:bodyPr wrap="square" rtlCol="0">
-            <a:spAutoFit/>
-          </a:bodyPr>
-          <a:lstStyle/>
-          <a:p>
-            <a:pPr algn="ctr"/>
-            <a:r>
-              <a:rPr lang="pt-BR" sz="1400" b="1" dirty="0" smtClean="0"/>
-              <a:t>Figura 4 – Protótipo de inserção de trabalho acadêmico</a:t>
-            </a:r>
-            <a:endParaRPr lang="pt-BR" sz="1400" dirty="0">
-              <a:effectLst/>
-            </a:endParaRPr>
-          </a:p>
-        </p:txBody>
-      </p:sp>
-      <p:sp>
-        <p:nvSpPr>
-          <p:cNvPr id="11" name="CaixaDeTexto 10"/>
-          <p:cNvSpPr txBox="1"/>
-          <p:nvPr/>
-        </p:nvSpPr>
-        <p:spPr>
-          <a:xfrm>
-            <a:off x="7098632" y="5648266"/>
+            <a:off x="4113262" y="5769526"/>
             <a:ext cx="3986784" cy="307777"/>
           </a:xfrm>
           <a:prstGeom prst="rect">
@@ -4419,7 +4423,7 @@
           <a:p>
             <a:r>
               <a:rPr lang="pt-BR" dirty="0"/>
-              <a:t>Desenvolvimento do componente</a:t>
+              <a:t>Prototipação</a:t>
             </a:r>
           </a:p>
         </p:txBody>
@@ -4442,6 +4446,177 @@
             <a:fld id="{859F97CD-EE65-4132-8581-7CD3042152B7}" type="slidenum">
               <a:rPr lang="pt-BR" smtClean="0"/>
               <a:t>12</a:t>
+            </a:fld>
+            <a:endParaRPr lang="pt-BR"/>
+          </a:p>
+        </p:txBody>
+      </p:sp>
+      <p:pic>
+        <p:nvPicPr>
+          <p:cNvPr id="5" name="Imagem 4"/>
+          <p:cNvPicPr>
+            <a:picLocks noChangeAspect="1"/>
+          </p:cNvPicPr>
+          <p:nvPr/>
+        </p:nvPicPr>
+        <p:blipFill rotWithShape="1">
+          <a:blip r:embed="rId2"/>
+          <a:srcRect r="19549"/>
+          <a:stretch/>
+        </p:blipFill>
+        <p:spPr>
+          <a:xfrm>
+            <a:off x="3331718" y="1908459"/>
+            <a:ext cx="5541720" cy="3872743"/>
+          </a:xfrm>
+          <a:prstGeom prst="rect">
+            <a:avLst/>
+          </a:prstGeom>
+        </p:spPr>
+      </p:pic>
+      <p:sp>
+        <p:nvSpPr>
+          <p:cNvPr id="10" name="CaixaDeTexto 9"/>
+          <p:cNvSpPr txBox="1"/>
+          <p:nvPr/>
+        </p:nvSpPr>
+        <p:spPr>
+          <a:xfrm>
+            <a:off x="3559463" y="1600682"/>
+            <a:ext cx="5096551" cy="307777"/>
+          </a:xfrm>
+          <a:prstGeom prst="rect">
+            <a:avLst/>
+          </a:prstGeom>
+          <a:noFill/>
+        </p:spPr>
+        <p:txBody>
+          <a:bodyPr wrap="square" rtlCol="0">
+            <a:spAutoFit/>
+          </a:bodyPr>
+          <a:lstStyle/>
+          <a:p>
+            <a:pPr algn="ctr"/>
+            <a:r>
+              <a:rPr lang="pt-BR" sz="1400" b="1" dirty="0" smtClean="0"/>
+              <a:t>Figura 4 – Protótipo de inserção de trabalho acadêmico</a:t>
+            </a:r>
+            <a:endParaRPr lang="pt-BR" sz="1400" dirty="0">
+              <a:effectLst/>
+            </a:endParaRPr>
+          </a:p>
+        </p:txBody>
+      </p:sp>
+      <p:sp>
+        <p:nvSpPr>
+          <p:cNvPr id="11" name="CaixaDeTexto 10"/>
+          <p:cNvSpPr txBox="1"/>
+          <p:nvPr/>
+        </p:nvSpPr>
+        <p:spPr>
+          <a:xfrm>
+            <a:off x="4112541" y="5881218"/>
+            <a:ext cx="3986784" cy="307777"/>
+          </a:xfrm>
+          <a:prstGeom prst="rect">
+            <a:avLst/>
+          </a:prstGeom>
+          <a:noFill/>
+        </p:spPr>
+        <p:txBody>
+          <a:bodyPr wrap="square" rtlCol="0">
+            <a:spAutoFit/>
+          </a:bodyPr>
+          <a:lstStyle/>
+          <a:p>
+            <a:pPr algn="ctr"/>
+            <a:r>
+              <a:rPr lang="pt-BR" sz="1400" b="1" dirty="0" smtClean="0"/>
+              <a:t>Fonte: Elaboração própria.</a:t>
+            </a:r>
+            <a:endParaRPr lang="pt-BR" sz="1400" b="1" dirty="0">
+              <a:effectLst/>
+            </a:endParaRPr>
+          </a:p>
+        </p:txBody>
+      </p:sp>
+    </p:spTree>
+    <p:extLst>
+      <p:ext uri="{BB962C8B-B14F-4D97-AF65-F5344CB8AC3E}">
+        <p14:creationId xmlns:p14="http://schemas.microsoft.com/office/powerpoint/2010/main" val="3890686308"/>
+      </p:ext>
+    </p:extLst>
+  </p:cSld>
+  <p:clrMapOvr>
+    <a:masterClrMapping/>
+  </p:clrMapOvr>
+  <p:timing>
+    <p:tnLst>
+      <p:par>
+        <p:cTn id="1" dur="indefinite" restart="never" nodeType="tmRoot"/>
+      </p:par>
+    </p:tnLst>
+  </p:timing>
+</p:sld>
+</file>
+
+<file path=ppt/slides/slide13.xml><?xml version="1.0" encoding="utf-8"?>
+<p:sld xmlns:a="http://schemas.openxmlformats.org/drawingml/2006/main" xmlns:r="http://schemas.openxmlformats.org/officeDocument/2006/relationships" xmlns:p="http://schemas.openxmlformats.org/presentationml/2006/main">
+  <p:cSld>
+    <p:spTree>
+      <p:nvGrpSpPr>
+        <p:cNvPr id="1" name=""/>
+        <p:cNvGrpSpPr/>
+        <p:nvPr/>
+      </p:nvGrpSpPr>
+      <p:grpSpPr>
+        <a:xfrm>
+          <a:off x="0" y="0"/>
+          <a:ext cx="0" cy="0"/>
+          <a:chOff x="0" y="0"/>
+          <a:chExt cx="0" cy="0"/>
+        </a:xfrm>
+      </p:grpSpPr>
+      <p:sp>
+        <p:nvSpPr>
+          <p:cNvPr id="2" name="Título 1"/>
+          <p:cNvSpPr>
+            <a:spLocks noGrp="1"/>
+          </p:cNvSpPr>
+          <p:nvPr>
+            <p:ph type="title"/>
+          </p:nvPr>
+        </p:nvSpPr>
+        <p:spPr/>
+        <p:txBody>
+          <a:bodyPr/>
+          <a:lstStyle/>
+          <a:p>
+            <a:r>
+              <a:rPr lang="pt-BR" dirty="0"/>
+              <a:t>Desenvolvimento do componente</a:t>
+            </a:r>
+          </a:p>
+        </p:txBody>
+      </p:sp>
+      <p:sp>
+        <p:nvSpPr>
+          <p:cNvPr id="4" name="Espaço Reservado para Número de Slide 3"/>
+          <p:cNvSpPr>
+            <a:spLocks noGrp="1"/>
+          </p:cNvSpPr>
+          <p:nvPr>
+            <p:ph type="sldNum" sz="quarter" idx="12"/>
+          </p:nvPr>
+        </p:nvSpPr>
+        <p:spPr/>
+        <p:txBody>
+          <a:bodyPr/>
+          <a:lstStyle/>
+          <a:p>
+            <a:fld id="{859F97CD-EE65-4132-8581-7CD3042152B7}" type="slidenum">
+              <a:rPr lang="pt-BR" smtClean="0"/>
+              <a:t>13</a:t>
             </a:fld>
             <a:endParaRPr lang="pt-BR"/>
           </a:p>
@@ -4650,7 +4825,7 @@
 </p:sld>
 </file>
 
-<file path=ppt/slides/slide13.xml><?xml version="1.0" encoding="utf-8"?>
+<file path=ppt/slides/slide14.xml><?xml version="1.0" encoding="utf-8"?>
 <p:sld xmlns:a="http://schemas.openxmlformats.org/drawingml/2006/main" xmlns:r="http://schemas.openxmlformats.org/officeDocument/2006/relationships" xmlns:p="http://schemas.openxmlformats.org/presentationml/2006/main">
   <p:cSld>
     <p:spTree>
@@ -4734,7 +4909,7 @@
           <a:p>
             <a:fld id="{859F97CD-EE65-4132-8581-7CD3042152B7}" type="slidenum">
               <a:rPr lang="pt-BR" smtClean="0"/>
-              <a:t>13</a:t>
+              <a:t>14</a:t>
             </a:fld>
             <a:endParaRPr lang="pt-BR"/>
           </a:p>
@@ -4814,126 +4989,6 @@
     <p:extLst>
       <p:ext uri="{BB962C8B-B14F-4D97-AF65-F5344CB8AC3E}">
         <p14:creationId xmlns:p14="http://schemas.microsoft.com/office/powerpoint/2010/main" val="1779174022"/>
-      </p:ext>
-    </p:extLst>
-  </p:cSld>
-  <p:clrMapOvr>
-    <a:masterClrMapping/>
-  </p:clrMapOvr>
-  <p:timing>
-    <p:tnLst>
-      <p:par>
-        <p:cTn id="1" dur="indefinite" restart="never" nodeType="tmRoot"/>
-      </p:par>
-    </p:tnLst>
-  </p:timing>
-</p:sld>
-</file>
-
-<file path=ppt/slides/slide14.xml><?xml version="1.0" encoding="utf-8"?>
-<p:sld xmlns:a="http://schemas.openxmlformats.org/drawingml/2006/main" xmlns:r="http://schemas.openxmlformats.org/officeDocument/2006/relationships" xmlns:p="http://schemas.openxmlformats.org/presentationml/2006/main">
-  <p:cSld>
-    <p:spTree>
-      <p:nvGrpSpPr>
-        <p:cNvPr id="1" name=""/>
-        <p:cNvGrpSpPr/>
-        <p:nvPr/>
-      </p:nvGrpSpPr>
-      <p:grpSpPr>
-        <a:xfrm>
-          <a:off x="0" y="0"/>
-          <a:ext cx="0" cy="0"/>
-          <a:chOff x="0" y="0"/>
-          <a:chExt cx="0" cy="0"/>
-        </a:xfrm>
-      </p:grpSpPr>
-      <p:sp>
-        <p:nvSpPr>
-          <p:cNvPr id="2" name="Título 1"/>
-          <p:cNvSpPr>
-            <a:spLocks noGrp="1"/>
-          </p:cNvSpPr>
-          <p:nvPr>
-            <p:ph type="title"/>
-          </p:nvPr>
-        </p:nvSpPr>
-        <p:spPr/>
-        <p:txBody>
-          <a:bodyPr/>
-          <a:lstStyle/>
-          <a:p>
-            <a:r>
-              <a:rPr lang="pt-BR" dirty="0" smtClean="0"/>
-              <a:t>Resultados</a:t>
-            </a:r>
-            <a:endParaRPr lang="pt-BR" dirty="0"/>
-          </a:p>
-        </p:txBody>
-      </p:sp>
-      <p:sp>
-        <p:nvSpPr>
-          <p:cNvPr id="3" name="Espaço Reservado para Conteúdo 2"/>
-          <p:cNvSpPr>
-            <a:spLocks noGrp="1"/>
-          </p:cNvSpPr>
-          <p:nvPr>
-            <p:ph idx="1"/>
-          </p:nvPr>
-        </p:nvSpPr>
-        <p:spPr/>
-        <p:txBody>
-          <a:bodyPr/>
-          <a:lstStyle/>
-          <a:p>
-            <a:r>
-              <a:rPr lang="pt-BR" dirty="0" smtClean="0"/>
-              <a:t>Atualidade do conteúdo presente no site;</a:t>
-            </a:r>
-          </a:p>
-          <a:p>
-            <a:r>
-              <a:rPr lang="pt-BR" dirty="0" smtClean="0"/>
-              <a:t>Desenvolvimento do componente </a:t>
-            </a:r>
-            <a:r>
-              <a:rPr lang="pt-BR" dirty="0" err="1" smtClean="0"/>
-              <a:t>Academic</a:t>
-            </a:r>
-            <a:r>
-              <a:rPr lang="pt-BR" dirty="0" smtClean="0"/>
-              <a:t> Library.</a:t>
-            </a:r>
-            <a:endParaRPr lang="pt-BR" dirty="0"/>
-          </a:p>
-        </p:txBody>
-      </p:sp>
-      <p:sp>
-        <p:nvSpPr>
-          <p:cNvPr id="4" name="Espaço Reservado para Número de Slide 3"/>
-          <p:cNvSpPr>
-            <a:spLocks noGrp="1"/>
-          </p:cNvSpPr>
-          <p:nvPr>
-            <p:ph type="sldNum" sz="quarter" idx="12"/>
-          </p:nvPr>
-        </p:nvSpPr>
-        <p:spPr/>
-        <p:txBody>
-          <a:bodyPr/>
-          <a:lstStyle/>
-          <a:p>
-            <a:fld id="{859F97CD-EE65-4132-8581-7CD3042152B7}" type="slidenum">
-              <a:rPr lang="pt-BR" smtClean="0"/>
-              <a:t>14</a:t>
-            </a:fld>
-            <a:endParaRPr lang="pt-BR"/>
-          </a:p>
-        </p:txBody>
-      </p:sp>
-    </p:spTree>
-    <p:extLst>
-      <p:ext uri="{BB962C8B-B14F-4D97-AF65-F5344CB8AC3E}">
-        <p14:creationId xmlns:p14="http://schemas.microsoft.com/office/powerpoint/2010/main" val="4151557867"/>
       </p:ext>
     </p:extLst>
   </p:cSld>
@@ -4983,9 +5038,47 @@
           <a:lstStyle/>
           <a:p>
             <a:r>
-              <a:rPr lang="pt-BR" dirty="0"/>
+              <a:rPr lang="pt-BR" dirty="0" smtClean="0"/>
               <a:t>Resultados</a:t>
             </a:r>
+            <a:endParaRPr lang="pt-BR" dirty="0"/>
+          </a:p>
+        </p:txBody>
+      </p:sp>
+      <p:sp>
+        <p:nvSpPr>
+          <p:cNvPr id="3" name="Espaço Reservado para Conteúdo 2"/>
+          <p:cNvSpPr>
+            <a:spLocks noGrp="1"/>
+          </p:cNvSpPr>
+          <p:nvPr>
+            <p:ph idx="1"/>
+          </p:nvPr>
+        </p:nvSpPr>
+        <p:spPr/>
+        <p:txBody>
+          <a:bodyPr/>
+          <a:lstStyle/>
+          <a:p>
+            <a:r>
+              <a:rPr lang="pt-BR" dirty="0" smtClean="0"/>
+              <a:t>Atualidade do conteúdo presente no site;</a:t>
+            </a:r>
+          </a:p>
+          <a:p>
+            <a:r>
+              <a:rPr lang="pt-BR" dirty="0" smtClean="0"/>
+              <a:t>Desenvolvimento do componente </a:t>
+            </a:r>
+            <a:r>
+              <a:rPr lang="pt-BR" dirty="0" err="1" smtClean="0"/>
+              <a:t>Academic</a:t>
+            </a:r>
+            <a:r>
+              <a:rPr lang="pt-BR" dirty="0" smtClean="0"/>
+              <a:t> Library.</a:t>
+            </a:r>
+            <a:endParaRPr lang="pt-BR" dirty="0"/>
           </a:p>
         </p:txBody>
       </p:sp>
@@ -5012,107 +5105,10 @@
           </a:p>
         </p:txBody>
       </p:sp>
-      <p:pic>
-        <p:nvPicPr>
-          <p:cNvPr id="7" name="Imagem 6"/>
-          <p:cNvPicPr>
-            <a:picLocks noChangeAspect="1"/>
-          </p:cNvPicPr>
-          <p:nvPr/>
-        </p:nvPicPr>
-        <p:blipFill rotWithShape="1">
-          <a:blip r:embed="rId2"/>
-          <a:srcRect r="1293" b="19238"/>
-          <a:stretch/>
-        </p:blipFill>
-        <p:spPr>
-          <a:xfrm>
-            <a:off x="1023167" y="1934189"/>
-            <a:ext cx="10145664" cy="3876301"/>
-          </a:xfrm>
-          <a:prstGeom prst="rect">
-            <a:avLst/>
-          </a:prstGeom>
-        </p:spPr>
-      </p:pic>
-      <p:sp>
-        <p:nvSpPr>
-          <p:cNvPr id="8" name="CaixaDeTexto 7"/>
-          <p:cNvSpPr txBox="1"/>
-          <p:nvPr/>
-        </p:nvSpPr>
-        <p:spPr>
-          <a:xfrm>
-            <a:off x="1023168" y="1608732"/>
-            <a:ext cx="10145664" cy="307777"/>
-          </a:xfrm>
-          <a:prstGeom prst="rect">
-            <a:avLst/>
-          </a:prstGeom>
-          <a:noFill/>
-        </p:spPr>
-        <p:txBody>
-          <a:bodyPr wrap="square" rtlCol="0">
-            <a:spAutoFit/>
-          </a:bodyPr>
-          <a:lstStyle/>
-          <a:p>
-            <a:pPr algn="ctr"/>
-            <a:r>
-              <a:rPr lang="pt-BR" sz="1400" b="1" dirty="0"/>
-              <a:t>Figura </a:t>
-            </a:r>
-            <a:r>
-              <a:rPr lang="pt-BR" sz="1400" b="1" dirty="0" smtClean="0"/>
-              <a:t>8 </a:t>
-            </a:r>
-            <a:r>
-              <a:rPr lang="pt-BR" sz="1400" b="1" dirty="0"/>
-              <a:t>– Listagem de trabalhos na parte administrativa do site </a:t>
-            </a:r>
-            <a:endParaRPr lang="pt-BR" sz="1400" dirty="0">
-              <a:effectLst/>
-            </a:endParaRPr>
-          </a:p>
-        </p:txBody>
-      </p:sp>
-      <p:sp>
-        <p:nvSpPr>
-          <p:cNvPr id="9" name="CaixaDeTexto 8"/>
-          <p:cNvSpPr txBox="1"/>
-          <p:nvPr/>
-        </p:nvSpPr>
-        <p:spPr>
-          <a:xfrm>
-            <a:off x="1023167" y="5810490"/>
-            <a:ext cx="10145663" cy="307777"/>
-          </a:xfrm>
-          <a:prstGeom prst="rect">
-            <a:avLst/>
-          </a:prstGeom>
-          <a:noFill/>
-        </p:spPr>
-        <p:txBody>
-          <a:bodyPr wrap="square" rtlCol="0">
-            <a:spAutoFit/>
-          </a:bodyPr>
-          <a:lstStyle/>
-          <a:p>
-            <a:pPr algn="ctr"/>
-            <a:r>
-              <a:rPr lang="pt-BR" sz="1400" b="1" dirty="0" smtClean="0"/>
-              <a:t>Fonte: Elaboração própria.</a:t>
-            </a:r>
-            <a:endParaRPr lang="pt-BR" sz="1400" b="1" dirty="0">
-              <a:effectLst/>
-            </a:endParaRPr>
-          </a:p>
-        </p:txBody>
-      </p:sp>
     </p:spTree>
     <p:extLst>
       <p:ext uri="{BB962C8B-B14F-4D97-AF65-F5344CB8AC3E}">
-        <p14:creationId xmlns:p14="http://schemas.microsoft.com/office/powerpoint/2010/main" val="1553390077"/>
+        <p14:creationId xmlns:p14="http://schemas.microsoft.com/office/powerpoint/2010/main" val="4151557867"/>
       </p:ext>
     </p:extLst>
   </p:cSld>
@@ -5191,107 +5187,113 @@
           </a:p>
         </p:txBody>
       </p:sp>
+      <p:sp>
+        <p:nvSpPr>
+          <p:cNvPr id="8" name="CaixaDeTexto 7"/>
+          <p:cNvSpPr txBox="1"/>
+          <p:nvPr/>
+        </p:nvSpPr>
+        <p:spPr>
+          <a:xfrm>
+            <a:off x="1023168" y="1608732"/>
+            <a:ext cx="10145664" cy="307777"/>
+          </a:xfrm>
+          <a:prstGeom prst="rect">
+            <a:avLst/>
+          </a:prstGeom>
+          <a:noFill/>
+        </p:spPr>
+        <p:txBody>
+          <a:bodyPr wrap="square" rtlCol="0">
+            <a:spAutoFit/>
+          </a:bodyPr>
+          <a:lstStyle/>
+          <a:p>
+            <a:pPr algn="ctr"/>
+            <a:r>
+              <a:rPr lang="pt-BR" sz="1400" b="1" dirty="0"/>
+              <a:t>Figura </a:t>
+            </a:r>
+            <a:r>
+              <a:rPr lang="pt-BR" sz="1400" b="1" dirty="0" smtClean="0"/>
+              <a:t>8 </a:t>
+            </a:r>
+            <a:r>
+              <a:rPr lang="pt-BR" sz="1400" b="1" dirty="0"/>
+              <a:t>– Listagem de trabalhos na parte administrativa do site </a:t>
+            </a:r>
+            <a:endParaRPr lang="pt-BR" sz="1400" dirty="0">
+              <a:effectLst/>
+            </a:endParaRPr>
+          </a:p>
+        </p:txBody>
+      </p:sp>
+      <p:sp>
+        <p:nvSpPr>
+          <p:cNvPr id="9" name="CaixaDeTexto 8"/>
+          <p:cNvSpPr txBox="1"/>
+          <p:nvPr/>
+        </p:nvSpPr>
+        <p:spPr>
+          <a:xfrm>
+            <a:off x="1023167" y="5810490"/>
+            <a:ext cx="10145663" cy="307777"/>
+          </a:xfrm>
+          <a:prstGeom prst="rect">
+            <a:avLst/>
+          </a:prstGeom>
+          <a:noFill/>
+        </p:spPr>
+        <p:txBody>
+          <a:bodyPr wrap="square" rtlCol="0">
+            <a:spAutoFit/>
+          </a:bodyPr>
+          <a:lstStyle/>
+          <a:p>
+            <a:pPr algn="ctr"/>
+            <a:r>
+              <a:rPr lang="pt-BR" sz="1400" b="1" dirty="0" smtClean="0"/>
+              <a:t>Fonte: Elaboração própria.</a:t>
+            </a:r>
+            <a:endParaRPr lang="pt-BR" sz="1400" b="1" dirty="0">
+              <a:effectLst/>
+            </a:endParaRPr>
+          </a:p>
+        </p:txBody>
+      </p:sp>
       <p:pic>
         <p:nvPicPr>
-          <p:cNvPr id="5" name="Imagem 4"/>
+          <p:cNvPr id="3" name="Imagem 2"/>
           <p:cNvPicPr>
             <a:picLocks noChangeAspect="1"/>
           </p:cNvPicPr>
           <p:nvPr/>
         </p:nvPicPr>
         <p:blipFill rotWithShape="1">
-          <a:blip r:embed="rId2"/>
-          <a:srcRect l="951" t="5651"/>
+          <a:blip r:embed="rId2">
+            <a:extLst>
+              <a:ext uri="{28A0092B-C50C-407E-A947-70E740481C1C}">
+                <a14:useLocalDpi xmlns:a14="http://schemas.microsoft.com/office/drawing/2010/main" val="0"/>
+              </a:ext>
+            </a:extLst>
+          </a:blip>
+          <a:srcRect l="43608" t="18161" r="2131" b="33882"/>
           <a:stretch/>
         </p:blipFill>
         <p:spPr>
           <a:xfrm>
-            <a:off x="3107014" y="1827948"/>
-            <a:ext cx="5977972" cy="4101850"/>
+            <a:off x="2159794" y="1898707"/>
+            <a:ext cx="7872412" cy="3911783"/>
           </a:xfrm>
           <a:prstGeom prst="rect">
             <a:avLst/>
           </a:prstGeom>
         </p:spPr>
       </p:pic>
-      <p:sp>
-        <p:nvSpPr>
-          <p:cNvPr id="6" name="CaixaDeTexto 5"/>
-          <p:cNvSpPr txBox="1"/>
-          <p:nvPr/>
-        </p:nvSpPr>
-        <p:spPr>
-          <a:xfrm>
-            <a:off x="3107015" y="1520171"/>
-            <a:ext cx="5977970" cy="307777"/>
-          </a:xfrm>
-          <a:prstGeom prst="rect">
-            <a:avLst/>
-          </a:prstGeom>
-          <a:noFill/>
-        </p:spPr>
-        <p:txBody>
-          <a:bodyPr wrap="square" rtlCol="0">
-            <a:spAutoFit/>
-          </a:bodyPr>
-          <a:lstStyle/>
-          <a:p>
-            <a:pPr algn="ctr"/>
-            <a:r>
-              <a:rPr lang="pt-BR" sz="1400" b="1" dirty="0"/>
-              <a:t>Figura </a:t>
-            </a:r>
-            <a:r>
-              <a:rPr lang="pt-BR" sz="1400" b="1" dirty="0" smtClean="0"/>
-              <a:t>9 </a:t>
-            </a:r>
-            <a:r>
-              <a:rPr lang="pt-BR" sz="1400" b="1" dirty="0"/>
-              <a:t>– Parte da página de inserção de trabalho acadêmico </a:t>
-            </a:r>
-            <a:endParaRPr lang="pt-BR" sz="1400" dirty="0">
-              <a:effectLst/>
-            </a:endParaRPr>
-          </a:p>
-        </p:txBody>
-      </p:sp>
-      <p:sp>
-        <p:nvSpPr>
-          <p:cNvPr id="7" name="CaixaDeTexto 6"/>
-          <p:cNvSpPr txBox="1"/>
-          <p:nvPr/>
-        </p:nvSpPr>
-        <p:spPr>
-          <a:xfrm>
-            <a:off x="3107014" y="5929798"/>
-            <a:ext cx="5977971" cy="307777"/>
-          </a:xfrm>
-          <a:prstGeom prst="rect">
-            <a:avLst/>
-          </a:prstGeom>
-          <a:noFill/>
-        </p:spPr>
-        <p:txBody>
-          <a:bodyPr wrap="square" rtlCol="0">
-            <a:spAutoFit/>
-          </a:bodyPr>
-          <a:lstStyle/>
-          <a:p>
-            <a:pPr algn="ctr"/>
-            <a:r>
-              <a:rPr lang="pt-BR" sz="1400" b="1" dirty="0" smtClean="0"/>
-              <a:t>Fonte: Elaboração própria.</a:t>
-            </a:r>
-            <a:endParaRPr lang="pt-BR" sz="1400" b="1" dirty="0">
-              <a:effectLst/>
-            </a:endParaRPr>
-          </a:p>
-        </p:txBody>
-      </p:sp>
     </p:spTree>
     <p:extLst>
       <p:ext uri="{BB962C8B-B14F-4D97-AF65-F5344CB8AC3E}">
-        <p14:creationId xmlns:p14="http://schemas.microsoft.com/office/powerpoint/2010/main" val="3043808301"/>
+        <p14:creationId xmlns:p14="http://schemas.microsoft.com/office/powerpoint/2010/main" val="1553390077"/>
       </p:ext>
     </p:extLst>
   </p:cSld>
@@ -5378,8 +5380,8 @@
         </p:nvSpPr>
         <p:spPr>
           <a:xfrm>
-            <a:off x="1669163" y="1527802"/>
-            <a:ext cx="8853672" cy="307777"/>
+            <a:off x="3107015" y="1520171"/>
+            <a:ext cx="5977970" cy="307777"/>
           </a:xfrm>
           <a:prstGeom prst="rect">
             <a:avLst/>
@@ -5399,11 +5401,11 @@
             </a:r>
             <a:r>
               <a:rPr lang="pt-BR" sz="1400" b="1" dirty="0" smtClean="0"/>
-              <a:t>10 </a:t>
+              <a:t>9 </a:t>
             </a:r>
             <a:r>
               <a:rPr lang="pt-BR" sz="1400" b="1" dirty="0"/>
-              <a:t>– Conteúdo do menu trabalhos acadêmicos  </a:t>
+              <a:t>– Parte da página de inserção de trabalho acadêmico </a:t>
             </a:r>
             <a:endParaRPr lang="pt-BR" sz="1400" dirty="0">
               <a:effectLst/>
@@ -5419,8 +5421,8 @@
         </p:nvSpPr>
         <p:spPr>
           <a:xfrm>
-            <a:off x="1669164" y="5937429"/>
-            <a:ext cx="8853671" cy="307777"/>
+            <a:off x="3107014" y="5929798"/>
+            <a:ext cx="5977971" cy="307777"/>
           </a:xfrm>
           <a:prstGeom prst="rect">
             <a:avLst/>
@@ -5453,14 +5455,20 @@
           <p:nvPr/>
         </p:nvPicPr>
         <p:blipFill rotWithShape="1">
-          <a:blip r:embed="rId2"/>
-          <a:srcRect l="4571" t="17524" r="5758" b="8583"/>
+          <a:blip r:embed="rId2">
+            <a:extLst>
+              <a:ext uri="{28A0092B-C50C-407E-A947-70E740481C1C}">
+                <a14:useLocalDpi xmlns:a14="http://schemas.microsoft.com/office/drawing/2010/main" val="0"/>
+              </a:ext>
+            </a:extLst>
+          </a:blip>
+          <a:srcRect l="43750" t="18414" r="1846" b="23730"/>
           <a:stretch/>
         </p:blipFill>
         <p:spPr>
           <a:xfrm>
-            <a:off x="1669164" y="1843210"/>
-            <a:ext cx="8853671" cy="4101850"/>
+            <a:off x="2681282" y="1827948"/>
+            <a:ext cx="6860299" cy="4101850"/>
           </a:xfrm>
           <a:prstGeom prst="rect">
             <a:avLst/>
@@ -5470,7 +5478,7 @@
     </p:spTree>
     <p:extLst>
       <p:ext uri="{BB962C8B-B14F-4D97-AF65-F5344CB8AC3E}">
-        <p14:creationId xmlns:p14="http://schemas.microsoft.com/office/powerpoint/2010/main" val="240864699"/>
+        <p14:creationId xmlns:p14="http://schemas.microsoft.com/office/powerpoint/2010/main" val="3043808301"/>
       </p:ext>
     </p:extLst>
   </p:cSld>
@@ -5544,6 +5552,191 @@
             <a:fld id="{859F97CD-EE65-4132-8581-7CD3042152B7}" type="slidenum">
               <a:rPr lang="pt-BR" smtClean="0"/>
               <a:t>18</a:t>
+            </a:fld>
+            <a:endParaRPr lang="pt-BR"/>
+          </a:p>
+        </p:txBody>
+      </p:sp>
+      <p:sp>
+        <p:nvSpPr>
+          <p:cNvPr id="6" name="CaixaDeTexto 5"/>
+          <p:cNvSpPr txBox="1"/>
+          <p:nvPr/>
+        </p:nvSpPr>
+        <p:spPr>
+          <a:xfrm>
+            <a:off x="1669163" y="1527802"/>
+            <a:ext cx="8853672" cy="307777"/>
+          </a:xfrm>
+          <a:prstGeom prst="rect">
+            <a:avLst/>
+          </a:prstGeom>
+          <a:noFill/>
+        </p:spPr>
+        <p:txBody>
+          <a:bodyPr wrap="square" rtlCol="0">
+            <a:spAutoFit/>
+          </a:bodyPr>
+          <a:lstStyle/>
+          <a:p>
+            <a:pPr algn="ctr"/>
+            <a:r>
+              <a:rPr lang="pt-BR" sz="1400" b="1" dirty="0"/>
+              <a:t>Figura </a:t>
+            </a:r>
+            <a:r>
+              <a:rPr lang="pt-BR" sz="1400" b="1" dirty="0" smtClean="0"/>
+              <a:t>10 </a:t>
+            </a:r>
+            <a:r>
+              <a:rPr lang="pt-BR" sz="1400" b="1" dirty="0"/>
+              <a:t>– Conteúdo do menu trabalhos acadêmicos  </a:t>
+            </a:r>
+            <a:endParaRPr lang="pt-BR" sz="1400" dirty="0">
+              <a:effectLst/>
+            </a:endParaRPr>
+          </a:p>
+        </p:txBody>
+      </p:sp>
+      <p:sp>
+        <p:nvSpPr>
+          <p:cNvPr id="7" name="CaixaDeTexto 6"/>
+          <p:cNvSpPr txBox="1"/>
+          <p:nvPr/>
+        </p:nvSpPr>
+        <p:spPr>
+          <a:xfrm>
+            <a:off x="1669164" y="5937429"/>
+            <a:ext cx="8853671" cy="307777"/>
+          </a:xfrm>
+          <a:prstGeom prst="rect">
+            <a:avLst/>
+          </a:prstGeom>
+          <a:noFill/>
+        </p:spPr>
+        <p:txBody>
+          <a:bodyPr wrap="square" rtlCol="0">
+            <a:spAutoFit/>
+          </a:bodyPr>
+          <a:lstStyle/>
+          <a:p>
+            <a:pPr algn="ctr"/>
+            <a:r>
+              <a:rPr lang="pt-BR" sz="1400" b="1" dirty="0" smtClean="0"/>
+              <a:t>Fonte: Elaboração própria.</a:t>
+            </a:r>
+            <a:endParaRPr lang="pt-BR" sz="1400" b="1" dirty="0">
+              <a:effectLst/>
+            </a:endParaRPr>
+          </a:p>
+        </p:txBody>
+      </p:sp>
+      <p:pic>
+        <p:nvPicPr>
+          <p:cNvPr id="5" name="Imagem 4"/>
+          <p:cNvPicPr>
+            <a:picLocks noChangeAspect="1"/>
+          </p:cNvPicPr>
+          <p:nvPr/>
+        </p:nvPicPr>
+        <p:blipFill rotWithShape="1">
+          <a:blip r:embed="rId2">
+            <a:extLst>
+              <a:ext uri="{28A0092B-C50C-407E-A947-70E740481C1C}">
+                <a14:useLocalDpi xmlns:a14="http://schemas.microsoft.com/office/drawing/2010/main" val="0"/>
+              </a:ext>
+            </a:extLst>
+          </a:blip>
+          <a:srcRect l="44034" t="18162" r="1562" b="22103"/>
+          <a:stretch/>
+        </p:blipFill>
+        <p:spPr>
+          <a:xfrm>
+            <a:off x="2757483" y="1835579"/>
+            <a:ext cx="6700837" cy="4136596"/>
+          </a:xfrm>
+          <a:prstGeom prst="rect">
+            <a:avLst/>
+          </a:prstGeom>
+        </p:spPr>
+      </p:pic>
+    </p:spTree>
+    <p:extLst>
+      <p:ext uri="{BB962C8B-B14F-4D97-AF65-F5344CB8AC3E}">
+        <p14:creationId xmlns:p14="http://schemas.microsoft.com/office/powerpoint/2010/main" val="240864699"/>
+      </p:ext>
+    </p:extLst>
+  </p:cSld>
+  <p:clrMapOvr>
+    <a:masterClrMapping/>
+  </p:clrMapOvr>
+  <p:timing>
+    <p:tnLst>
+      <p:par>
+        <p:cTn id="1" dur="indefinite" restart="never" nodeType="tmRoot"/>
+      </p:par>
+    </p:tnLst>
+  </p:timing>
+</p:sld>
+</file>
+
+<file path=ppt/slides/slide19.xml><?xml version="1.0" encoding="utf-8"?>
+<p:sld xmlns:a="http://schemas.openxmlformats.org/drawingml/2006/main" xmlns:r="http://schemas.openxmlformats.org/officeDocument/2006/relationships" xmlns:p="http://schemas.openxmlformats.org/presentationml/2006/main">
+  <p:cSld>
+    <p:spTree>
+      <p:nvGrpSpPr>
+        <p:cNvPr id="1" name=""/>
+        <p:cNvGrpSpPr/>
+        <p:nvPr/>
+      </p:nvGrpSpPr>
+      <p:grpSpPr>
+        <a:xfrm>
+          <a:off x="0" y="0"/>
+          <a:ext cx="0" cy="0"/>
+          <a:chOff x="0" y="0"/>
+          <a:chExt cx="0" cy="0"/>
+        </a:xfrm>
+      </p:grpSpPr>
+      <p:sp>
+        <p:nvSpPr>
+          <p:cNvPr id="2" name="Título 1"/>
+          <p:cNvSpPr>
+            <a:spLocks noGrp="1"/>
+          </p:cNvSpPr>
+          <p:nvPr>
+            <p:ph type="title"/>
+          </p:nvPr>
+        </p:nvSpPr>
+        <p:spPr/>
+        <p:txBody>
+          <a:bodyPr/>
+          <a:lstStyle/>
+          <a:p>
+            <a:r>
+              <a:rPr lang="pt-BR" dirty="0"/>
+              <a:t>Resultados</a:t>
+            </a:r>
+          </a:p>
+        </p:txBody>
+      </p:sp>
+      <p:sp>
+        <p:nvSpPr>
+          <p:cNvPr id="4" name="Espaço Reservado para Número de Slide 3"/>
+          <p:cNvSpPr>
+            <a:spLocks noGrp="1"/>
+          </p:cNvSpPr>
+          <p:nvPr>
+            <p:ph type="sldNum" sz="quarter" idx="12"/>
+          </p:nvPr>
+        </p:nvSpPr>
+        <p:spPr/>
+        <p:txBody>
+          <a:bodyPr/>
+          <a:lstStyle/>
+          <a:p>
+            <a:fld id="{859F97CD-EE65-4132-8581-7CD3042152B7}" type="slidenum">
+              <a:rPr lang="pt-BR" smtClean="0"/>
+              <a:t>19</a:t>
             </a:fld>
             <a:endParaRPr lang="pt-BR"/>
           </a:p>
@@ -5671,212 +5864,6 @@
 </p:sld>
 </file>
 
-<file path=ppt/slides/slide19.xml><?xml version="1.0" encoding="utf-8"?>
-<p:sld xmlns:a="http://schemas.openxmlformats.org/drawingml/2006/main" xmlns:r="http://schemas.openxmlformats.org/officeDocument/2006/relationships" xmlns:p="http://schemas.openxmlformats.org/presentationml/2006/main">
-  <p:cSld>
-    <p:spTree>
-      <p:nvGrpSpPr>
-        <p:cNvPr id="1" name=""/>
-        <p:cNvGrpSpPr/>
-        <p:nvPr/>
-      </p:nvGrpSpPr>
-      <p:grpSpPr>
-        <a:xfrm>
-          <a:off x="0" y="0"/>
-          <a:ext cx="0" cy="0"/>
-          <a:chOff x="0" y="0"/>
-          <a:chExt cx="0" cy="0"/>
-        </a:xfrm>
-      </p:grpSpPr>
-      <p:sp>
-        <p:nvSpPr>
-          <p:cNvPr id="2" name="Título 1"/>
-          <p:cNvSpPr>
-            <a:spLocks noGrp="1"/>
-          </p:cNvSpPr>
-          <p:nvPr>
-            <p:ph type="title"/>
-          </p:nvPr>
-        </p:nvSpPr>
-        <p:spPr/>
-        <p:txBody>
-          <a:bodyPr/>
-          <a:lstStyle/>
-          <a:p>
-            <a:r>
-              <a:rPr lang="pt-BR" dirty="0"/>
-              <a:t>Resultados</a:t>
-            </a:r>
-          </a:p>
-        </p:txBody>
-      </p:sp>
-      <p:sp>
-        <p:nvSpPr>
-          <p:cNvPr id="4" name="Espaço Reservado para Número de Slide 3"/>
-          <p:cNvSpPr>
-            <a:spLocks noGrp="1"/>
-          </p:cNvSpPr>
-          <p:nvPr>
-            <p:ph type="sldNum" sz="quarter" idx="12"/>
-          </p:nvPr>
-        </p:nvSpPr>
-        <p:spPr/>
-        <p:txBody>
-          <a:bodyPr/>
-          <a:lstStyle/>
-          <a:p>
-            <a:fld id="{859F97CD-EE65-4132-8581-7CD3042152B7}" type="slidenum">
-              <a:rPr lang="pt-BR" smtClean="0"/>
-              <a:t>19</a:t>
-            </a:fld>
-            <a:endParaRPr lang="pt-BR"/>
-          </a:p>
-        </p:txBody>
-      </p:sp>
-      <p:pic>
-        <p:nvPicPr>
-          <p:cNvPr id="3" name="Imagem 2"/>
-          <p:cNvPicPr>
-            <a:picLocks noChangeAspect="1"/>
-          </p:cNvPicPr>
-          <p:nvPr/>
-        </p:nvPicPr>
-        <p:blipFill>
-          <a:blip r:embed="rId2">
-            <a:extLst>
-              <a:ext uri="{28A0092B-C50C-407E-A947-70E740481C1C}">
-                <a14:useLocalDpi xmlns:a14="http://schemas.microsoft.com/office/drawing/2010/main" val="0"/>
-              </a:ext>
-            </a:extLst>
-          </a:blip>
-          <a:stretch>
-            <a:fillRect/>
-          </a:stretch>
-        </p:blipFill>
-        <p:spPr>
-          <a:xfrm>
-            <a:off x="2747477" y="1843210"/>
-            <a:ext cx="6697045" cy="3994286"/>
-          </a:xfrm>
-          <a:prstGeom prst="rect">
-            <a:avLst/>
-          </a:prstGeom>
-        </p:spPr>
-      </p:pic>
-      <p:sp>
-        <p:nvSpPr>
-          <p:cNvPr id="5" name="CaixaDeTexto 4"/>
-          <p:cNvSpPr txBox="1"/>
-          <p:nvPr/>
-        </p:nvSpPr>
-        <p:spPr>
-          <a:xfrm>
-            <a:off x="3061934" y="1527802"/>
-            <a:ext cx="6096708" cy="307777"/>
-          </a:xfrm>
-          <a:prstGeom prst="rect">
-            <a:avLst/>
-          </a:prstGeom>
-          <a:noFill/>
-        </p:spPr>
-        <p:txBody>
-          <a:bodyPr wrap="square" rtlCol="0">
-            <a:spAutoFit/>
-          </a:bodyPr>
-          <a:lstStyle/>
-          <a:p>
-            <a:pPr algn="ctr"/>
-            <a:r>
-              <a:rPr lang="pt-BR" sz="1400" b="1" dirty="0"/>
-              <a:t>Figura </a:t>
-            </a:r>
-            <a:r>
-              <a:rPr lang="pt-BR" sz="1400" b="1" dirty="0" smtClean="0"/>
-              <a:t>12 </a:t>
-            </a:r>
-            <a:r>
-              <a:rPr lang="pt-BR" sz="1400" b="1" dirty="0"/>
-              <a:t>– </a:t>
-            </a:r>
-            <a:r>
-              <a:rPr lang="pt-BR" sz="1400" b="1" dirty="0" smtClean="0"/>
-              <a:t>Repositório </a:t>
-            </a:r>
-            <a:r>
-              <a:rPr lang="pt-BR" sz="1400" b="1" dirty="0" err="1" smtClean="0"/>
-              <a:t>AcademicLibrary</a:t>
-            </a:r>
-            <a:r>
-              <a:rPr lang="pt-BR" sz="1400" b="1" dirty="0" smtClean="0"/>
-              <a:t> no </a:t>
-            </a:r>
-            <a:r>
-              <a:rPr lang="pt-BR" sz="1400" b="1" dirty="0"/>
-              <a:t>G</a:t>
-            </a:r>
-            <a:r>
-              <a:rPr lang="pt-BR" sz="1400" b="1" dirty="0" smtClean="0"/>
-              <a:t>itHub</a:t>
-            </a:r>
-            <a:endParaRPr lang="pt-BR" sz="1400" dirty="0">
-              <a:effectLst/>
-            </a:endParaRPr>
-          </a:p>
-        </p:txBody>
-      </p:sp>
-      <p:sp>
-        <p:nvSpPr>
-          <p:cNvPr id="6" name="CaixaDeTexto 5"/>
-          <p:cNvSpPr txBox="1"/>
-          <p:nvPr/>
-        </p:nvSpPr>
-        <p:spPr>
-          <a:xfrm>
-            <a:off x="3061934" y="5827955"/>
-            <a:ext cx="6096708" cy="307777"/>
-          </a:xfrm>
-          <a:prstGeom prst="rect">
-            <a:avLst/>
-          </a:prstGeom>
-          <a:noFill/>
-        </p:spPr>
-        <p:txBody>
-          <a:bodyPr wrap="square" rtlCol="0">
-            <a:spAutoFit/>
-          </a:bodyPr>
-          <a:lstStyle/>
-          <a:p>
-            <a:pPr algn="ctr"/>
-            <a:r>
-              <a:rPr lang="pt-BR" sz="1400" b="1" dirty="0" smtClean="0"/>
-              <a:t>Fonte: Elaboração própria.</a:t>
-            </a:r>
-            <a:endParaRPr lang="pt-BR" sz="1400" b="1" dirty="0">
-              <a:effectLst/>
-            </a:endParaRPr>
-          </a:p>
-        </p:txBody>
-      </p:sp>
-    </p:spTree>
-    <p:extLst>
-      <p:ext uri="{BB962C8B-B14F-4D97-AF65-F5344CB8AC3E}">
-        <p14:creationId xmlns:p14="http://schemas.microsoft.com/office/powerpoint/2010/main" val="2911581912"/>
-      </p:ext>
-    </p:extLst>
-  </p:cSld>
-  <p:clrMapOvr>
-    <a:masterClrMapping/>
-  </p:clrMapOvr>
-  <p:timing>
-    <p:tnLst>
-      <p:par>
-        <p:cTn id="1" dur="indefinite" restart="never" nodeType="tmRoot"/>
-      </p:par>
-    </p:tnLst>
-  </p:timing>
-</p:sld>
-</file>
-
 <file path=ppt/slides/slide2.xml><?xml version="1.0" encoding="utf-8"?>
 <p:sld xmlns:a="http://schemas.openxmlformats.org/drawingml/2006/main" xmlns:r="http://schemas.openxmlformats.org/officeDocument/2006/relationships" xmlns:p="http://schemas.openxmlformats.org/presentationml/2006/main">
   <p:cSld>
@@ -5940,11 +5927,7 @@
           <a:p>
             <a:r>
               <a:rPr lang="pt-BR" dirty="0" smtClean="0"/>
-              <a:t>Estágio </a:t>
-            </a:r>
-            <a:r>
-              <a:rPr lang="pt-BR" dirty="0" smtClean="0"/>
-              <a:t>Supervisionado</a:t>
+              <a:t>Estágio Supervisionado</a:t>
             </a:r>
           </a:p>
           <a:p>
@@ -5952,7 +5935,6 @@
               <a:rPr lang="pt-BR" dirty="0" smtClean="0"/>
               <a:t>Revisão bibliográfica</a:t>
             </a:r>
-            <a:endParaRPr lang="pt-BR" dirty="0" smtClean="0"/>
           </a:p>
           <a:p>
             <a:r>
@@ -5964,6 +5946,12 @@
             <a:r>
               <a:rPr lang="pt-BR" dirty="0" smtClean="0"/>
               <a:t>Resultados</a:t>
+            </a:r>
+          </a:p>
+          <a:p>
+            <a:r>
+              <a:rPr lang="pt-BR" dirty="0" smtClean="0"/>
+              <a:t>Considerações finais</a:t>
             </a:r>
             <a:endParaRPr lang="pt-BR" dirty="0"/>
           </a:p>
@@ -6045,60 +6033,9 @@
           <a:lstStyle/>
           <a:p>
             <a:r>
-              <a:rPr lang="pt-BR" dirty="0" smtClean="0"/>
-              <a:t>Considerações finais e recomendações</a:t>
-            </a:r>
-            <a:endParaRPr lang="pt-BR" dirty="0"/>
-          </a:p>
-        </p:txBody>
-      </p:sp>
-      <p:sp>
-        <p:nvSpPr>
-          <p:cNvPr id="3" name="Espaço Reservado para Conteúdo 2"/>
-          <p:cNvSpPr>
-            <a:spLocks noGrp="1"/>
-          </p:cNvSpPr>
-          <p:nvPr>
-            <p:ph idx="1"/>
-          </p:nvPr>
-        </p:nvSpPr>
-        <p:spPr/>
-        <p:txBody>
-          <a:bodyPr/>
-          <a:lstStyle/>
-          <a:p>
-            <a:r>
-              <a:rPr lang="pt-BR" dirty="0" smtClean="0"/>
-              <a:t>O trabalho contribui para a divulgação cientifica e das atividades da curso;</a:t>
-            </a:r>
-            <a:endParaRPr lang="pt-BR" dirty="0"/>
-          </a:p>
-          <a:p>
-            <a:r>
-              <a:rPr lang="pt-BR" dirty="0" smtClean="0"/>
-              <a:t>Realização de manutenção periódicas;</a:t>
-            </a:r>
-          </a:p>
-          <a:p>
-            <a:r>
-              <a:rPr lang="pt-BR" dirty="0" smtClean="0"/>
-              <a:t>Evolução do componente </a:t>
-            </a:r>
-            <a:r>
-              <a:rPr lang="pt-BR" dirty="0" err="1"/>
-              <a:t>A</a:t>
-            </a:r>
-            <a:r>
-              <a:rPr lang="pt-BR" dirty="0" err="1" smtClean="0"/>
-              <a:t>cademic</a:t>
-            </a:r>
-            <a:r>
-              <a:rPr lang="pt-BR" dirty="0" smtClean="0"/>
-              <a:t> Library.</a:t>
-            </a:r>
-          </a:p>
-          <a:p>
-            <a:endParaRPr lang="pt-BR" dirty="0"/>
+              <a:rPr lang="pt-BR" dirty="0"/>
+              <a:t>Resultados</a:t>
+            </a:r>
           </a:p>
         </p:txBody>
       </p:sp>
@@ -6125,16 +6062,147 @@
           </a:p>
         </p:txBody>
       </p:sp>
+      <p:pic>
+        <p:nvPicPr>
+          <p:cNvPr id="3" name="Imagem 2"/>
+          <p:cNvPicPr>
+            <a:picLocks noChangeAspect="1"/>
+          </p:cNvPicPr>
+          <p:nvPr/>
+        </p:nvPicPr>
+        <p:blipFill>
+          <a:blip r:embed="rId2">
+            <a:extLst>
+              <a:ext uri="{28A0092B-C50C-407E-A947-70E740481C1C}">
+                <a14:useLocalDpi xmlns:a14="http://schemas.microsoft.com/office/drawing/2010/main" val="0"/>
+              </a:ext>
+            </a:extLst>
+          </a:blip>
+          <a:stretch>
+            <a:fillRect/>
+          </a:stretch>
+        </p:blipFill>
+        <p:spPr>
+          <a:xfrm>
+            <a:off x="2747477" y="1843210"/>
+            <a:ext cx="6697045" cy="3994286"/>
+          </a:xfrm>
+          <a:prstGeom prst="rect">
+            <a:avLst/>
+          </a:prstGeom>
+        </p:spPr>
+      </p:pic>
+      <p:sp>
+        <p:nvSpPr>
+          <p:cNvPr id="5" name="CaixaDeTexto 4"/>
+          <p:cNvSpPr txBox="1"/>
+          <p:nvPr/>
+        </p:nvSpPr>
+        <p:spPr>
+          <a:xfrm>
+            <a:off x="3061934" y="1527802"/>
+            <a:ext cx="6096708" cy="307777"/>
+          </a:xfrm>
+          <a:prstGeom prst="rect">
+            <a:avLst/>
+          </a:prstGeom>
+          <a:noFill/>
+        </p:spPr>
+        <p:txBody>
+          <a:bodyPr wrap="square" rtlCol="0">
+            <a:spAutoFit/>
+          </a:bodyPr>
+          <a:lstStyle/>
+          <a:p>
+            <a:pPr algn="ctr"/>
+            <a:r>
+              <a:rPr lang="pt-BR" sz="1400" b="1" dirty="0"/>
+              <a:t>Figura </a:t>
+            </a:r>
+            <a:r>
+              <a:rPr lang="pt-BR" sz="1400" b="1" dirty="0" smtClean="0"/>
+              <a:t>12 </a:t>
+            </a:r>
+            <a:r>
+              <a:rPr lang="pt-BR" sz="1400" b="1" dirty="0"/>
+              <a:t>– </a:t>
+            </a:r>
+            <a:r>
+              <a:rPr lang="pt-BR" sz="1400" b="1" dirty="0" smtClean="0"/>
+              <a:t>Repositório </a:t>
+            </a:r>
+            <a:r>
+              <a:rPr lang="pt-BR" sz="1400" b="1" dirty="0" err="1" smtClean="0"/>
+              <a:t>AcademicLibrary</a:t>
+            </a:r>
+            <a:r>
+              <a:rPr lang="pt-BR" sz="1400" b="1" dirty="0" smtClean="0"/>
+              <a:t> no </a:t>
+            </a:r>
+            <a:r>
+              <a:rPr lang="pt-BR" sz="1400" b="1" dirty="0"/>
+              <a:t>G</a:t>
+            </a:r>
+            <a:r>
+              <a:rPr lang="pt-BR" sz="1400" b="1" dirty="0" smtClean="0"/>
+              <a:t>itHub</a:t>
+            </a:r>
+            <a:endParaRPr lang="pt-BR" sz="1400" dirty="0">
+              <a:effectLst/>
+            </a:endParaRPr>
+          </a:p>
+        </p:txBody>
+      </p:sp>
+      <p:sp>
+        <p:nvSpPr>
+          <p:cNvPr id="6" name="CaixaDeTexto 5"/>
+          <p:cNvSpPr txBox="1"/>
+          <p:nvPr/>
+        </p:nvSpPr>
+        <p:spPr>
+          <a:xfrm>
+            <a:off x="3061934" y="5827955"/>
+            <a:ext cx="6096708" cy="307777"/>
+          </a:xfrm>
+          <a:prstGeom prst="rect">
+            <a:avLst/>
+          </a:prstGeom>
+          <a:noFill/>
+        </p:spPr>
+        <p:txBody>
+          <a:bodyPr wrap="square" rtlCol="0">
+            <a:spAutoFit/>
+          </a:bodyPr>
+          <a:lstStyle/>
+          <a:p>
+            <a:pPr algn="ctr"/>
+            <a:r>
+              <a:rPr lang="pt-BR" sz="1400" b="1" dirty="0" smtClean="0"/>
+              <a:t>Fonte: Elaboração própria.</a:t>
+            </a:r>
+            <a:endParaRPr lang="pt-BR" sz="1400" b="1" dirty="0">
+              <a:effectLst/>
+            </a:endParaRPr>
+          </a:p>
+        </p:txBody>
+      </p:sp>
     </p:spTree>
     <p:extLst>
       <p:ext uri="{BB962C8B-B14F-4D97-AF65-F5344CB8AC3E}">
-        <p14:creationId xmlns:p14="http://schemas.microsoft.com/office/powerpoint/2010/main" val="3799680329"/>
+        <p14:creationId xmlns:p14="http://schemas.microsoft.com/office/powerpoint/2010/main" val="2911581912"/>
       </p:ext>
     </p:extLst>
   </p:cSld>
   <p:clrMapOvr>
     <a:masterClrMapping/>
   </p:clrMapOvr>
+  <p:timing>
+    <p:tnLst>
+      <p:par>
+        <p:cTn id="1" dur="indefinite" restart="never" nodeType="tmRoot"/>
+      </p:par>
+    </p:tnLst>
+  </p:timing>
 </p:sld>
 </file>
 
@@ -6157,12 +6225,12 @@
       </p:grpSpPr>
       <p:sp>
         <p:nvSpPr>
-          <p:cNvPr id="2" name="Espaço Reservado para Texto 1"/>
-          <p:cNvSpPr>
-            <a:spLocks noGrp="1"/>
-          </p:cNvSpPr>
-          <p:nvPr>
-            <p:ph type="body" sz="quarter" idx="10"/>
+          <p:cNvPr id="2" name="Título 1"/>
+          <p:cNvSpPr>
+            <a:spLocks noGrp="1"/>
+          </p:cNvSpPr>
+          <p:nvPr>
+            <p:ph type="title"/>
           </p:nvPr>
         </p:nvSpPr>
         <p:spPr/>
@@ -6171,23 +6239,21 @@
           <a:lstStyle/>
           <a:p>
             <a:r>
-              <a:rPr lang="pt-BR" sz="4400" b="1" dirty="0"/>
-              <a:t>DESENVOLVIMENTO DE UM COMPONENTE E MANUTENÇÃO DO SITE DO CURSO DE BACHARELADO EM SISTEMAS DE INFORMAÇÃO DA UFAC</a:t>
-            </a:r>
-            <a:endParaRPr lang="pt-BR" sz="3600" dirty="0">
-              <a:effectLst/>
-            </a:endParaRPr>
-          </a:p>
-        </p:txBody>
-      </p:sp>
-      <p:sp>
-        <p:nvSpPr>
-          <p:cNvPr id="3" name="Espaço Reservado para Texto 2"/>
-          <p:cNvSpPr>
-            <a:spLocks noGrp="1"/>
-          </p:cNvSpPr>
-          <p:nvPr>
-            <p:ph type="body" sz="quarter" idx="11"/>
+              <a:rPr lang="pt-BR" dirty="0" smtClean="0"/>
+              <a:t>Considerações finais e recomendações</a:t>
+            </a:r>
+            <a:endParaRPr lang="pt-BR" dirty="0"/>
+          </a:p>
+        </p:txBody>
+      </p:sp>
+      <p:sp>
+        <p:nvSpPr>
+          <p:cNvPr id="3" name="Espaço Reservado para Conteúdo 2"/>
+          <p:cNvSpPr>
+            <a:spLocks noGrp="1"/>
+          </p:cNvSpPr>
+          <p:nvPr>
+            <p:ph idx="1"/>
           </p:nvPr>
         </p:nvSpPr>
         <p:spPr/>
@@ -6197,20 +6263,47 @@
           <a:p>
             <a:r>
               <a:rPr lang="pt-BR" dirty="0" smtClean="0"/>
-              <a:t>Mateus da Silva Costa</a:t>
+              <a:t>O trabalho contribui para a divulgação cientifica e das atividades da curso;</a:t>
             </a:r>
             <a:endParaRPr lang="pt-BR" dirty="0"/>
           </a:p>
-        </p:txBody>
-      </p:sp>
-      <p:sp>
-        <p:nvSpPr>
-          <p:cNvPr id="4" name="Espaço Reservado para Texto 3"/>
-          <p:cNvSpPr>
-            <a:spLocks noGrp="1"/>
-          </p:cNvSpPr>
-          <p:nvPr>
-            <p:ph type="body" sz="quarter" idx="12"/>
+          <a:p>
+            <a:r>
+              <a:rPr lang="pt-BR" dirty="0" smtClean="0"/>
+              <a:t>Realização de manutenção periódicas;</a:t>
+            </a:r>
+          </a:p>
+          <a:p>
+            <a:r>
+              <a:rPr lang="pt-BR" dirty="0" smtClean="0"/>
+              <a:t>Evolução do componente </a:t>
+            </a:r>
+            <a:r>
+              <a:rPr lang="pt-BR" dirty="0" err="1"/>
+              <a:t>A</a:t>
+            </a:r>
+            <a:r>
+              <a:rPr lang="pt-BR" dirty="0" err="1" smtClean="0"/>
+              <a:t>cademic</a:t>
+            </a:r>
+            <a:r>
+              <a:rPr lang="pt-BR" dirty="0" smtClean="0"/>
+              <a:t> Library.</a:t>
+            </a:r>
+          </a:p>
+          <a:p>
+            <a:endParaRPr lang="pt-BR" dirty="0"/>
+          </a:p>
+        </p:txBody>
+      </p:sp>
+      <p:sp>
+        <p:nvSpPr>
+          <p:cNvPr id="4" name="Espaço Reservado para Número de Slide 3"/>
+          <p:cNvSpPr>
+            <a:spLocks noGrp="1"/>
+          </p:cNvSpPr>
+          <p:nvPr>
+            <p:ph type="sldNum" sz="quarter" idx="12"/>
           </p:nvPr>
         </p:nvSpPr>
         <p:spPr/>
@@ -6218,26 +6311,134 @@
           <a:bodyPr/>
           <a:lstStyle/>
           <a:p>
-            <a:r>
-              <a:rPr lang="pt-BR" dirty="0" smtClean="0"/>
-              <a:t>Prof. Dr</a:t>
-            </a:r>
-            <a:r>
-              <a:rPr lang="pt-BR" dirty="0"/>
-              <a:t>. Manoel Limeira de Lima Júnior </a:t>
-            </a:r>
-            <a:r>
-              <a:rPr lang="pt-BR" dirty="0" smtClean="0"/>
-              <a:t>Almeida</a:t>
-            </a:r>
-            <a:endParaRPr lang="pt-BR" dirty="0"/>
+            <a:fld id="{859F97CD-EE65-4132-8581-7CD3042152B7}" type="slidenum">
+              <a:rPr lang="pt-BR" smtClean="0"/>
+              <a:t>21</a:t>
+            </a:fld>
+            <a:endParaRPr lang="pt-BR"/>
           </a:p>
         </p:txBody>
       </p:sp>
     </p:spTree>
     <p:extLst>
       <p:ext uri="{BB962C8B-B14F-4D97-AF65-F5344CB8AC3E}">
-        <p14:creationId xmlns:p14="http://schemas.microsoft.com/office/powerpoint/2010/main" val="1961955656"/>
+        <p14:creationId xmlns:p14="http://schemas.microsoft.com/office/powerpoint/2010/main" val="3799680329"/>
+      </p:ext>
+    </p:extLst>
+  </p:cSld>
+  <p:clrMapOvr>
+    <a:masterClrMapping/>
+  </p:clrMapOvr>
+  <p:timing>
+    <p:tnLst>
+      <p:par>
+        <p:cTn id="1" dur="indefinite" restart="never" nodeType="tmRoot"/>
+      </p:par>
+    </p:tnLst>
+  </p:timing>
+</p:sld>
+</file>
+
+<file path=ppt/slides/slide22.xml><?xml version="1.0" encoding="utf-8"?>
+<p:sld xmlns:a="http://schemas.openxmlformats.org/drawingml/2006/main" xmlns:r="http://schemas.openxmlformats.org/officeDocument/2006/relationships" xmlns:p="http://schemas.openxmlformats.org/presentationml/2006/main">
+  <p:cSld>
+    <p:spTree>
+      <p:nvGrpSpPr>
+        <p:cNvPr id="1" name=""/>
+        <p:cNvGrpSpPr/>
+        <p:nvPr/>
+      </p:nvGrpSpPr>
+      <p:grpSpPr>
+        <a:xfrm>
+          <a:off x="0" y="0"/>
+          <a:ext cx="0" cy="0"/>
+          <a:chOff x="0" y="0"/>
+          <a:chExt cx="0" cy="0"/>
+        </a:xfrm>
+      </p:grpSpPr>
+      <p:sp>
+        <p:nvSpPr>
+          <p:cNvPr id="2" name="Espaço Reservado para Texto 1"/>
+          <p:cNvSpPr>
+            <a:spLocks noGrp="1"/>
+          </p:cNvSpPr>
+          <p:nvPr>
+            <p:ph type="body" sz="quarter" idx="10"/>
+          </p:nvPr>
+        </p:nvSpPr>
+        <p:spPr/>
+        <p:txBody>
+          <a:bodyPr/>
+          <a:lstStyle/>
+          <a:p>
+            <a:r>
+              <a:rPr lang="pt-BR" sz="4700" b="1" dirty="0"/>
+              <a:t>DESENVOLVIMENTO DE UM COMPONENTE E MANUTENÇÃO DO SITE DO CURSO DE BACHARELADO EM SISTEMAS DE INFORMAÇÃO DA UFAC</a:t>
+            </a:r>
+            <a:endParaRPr lang="pt-BR" sz="4700" dirty="0">
+              <a:effectLst/>
+            </a:endParaRPr>
+          </a:p>
+        </p:txBody>
+      </p:sp>
+      <p:sp>
+        <p:nvSpPr>
+          <p:cNvPr id="3" name="Espaço Reservado para Texto 2"/>
+          <p:cNvSpPr>
+            <a:spLocks noGrp="1"/>
+          </p:cNvSpPr>
+          <p:nvPr>
+            <p:ph type="body" sz="quarter" idx="11"/>
+          </p:nvPr>
+        </p:nvSpPr>
+        <p:spPr/>
+        <p:txBody>
+          <a:bodyPr/>
+          <a:lstStyle/>
+          <a:p>
+            <a:r>
+              <a:rPr lang="pt-BR" dirty="0" smtClean="0"/>
+              <a:t>Mateus da Silva Costa</a:t>
+            </a:r>
+            <a:endParaRPr lang="pt-BR" dirty="0"/>
+          </a:p>
+        </p:txBody>
+      </p:sp>
+      <p:sp>
+        <p:nvSpPr>
+          <p:cNvPr id="4" name="Espaço Reservado para Texto 3"/>
+          <p:cNvSpPr>
+            <a:spLocks noGrp="1"/>
+          </p:cNvSpPr>
+          <p:nvPr>
+            <p:ph type="body" sz="quarter" idx="12"/>
+          </p:nvPr>
+        </p:nvSpPr>
+        <p:spPr/>
+        <p:txBody>
+          <a:bodyPr/>
+          <a:lstStyle/>
+          <a:p>
+            <a:r>
+              <a:rPr lang="pt-BR" dirty="0" smtClean="0"/>
+              <a:t>Prof. Dr</a:t>
+            </a:r>
+            <a:r>
+              <a:rPr lang="pt-BR" dirty="0"/>
+              <a:t>. Manoel Limeira de Lima Júnior </a:t>
+            </a:r>
+            <a:r>
+              <a:rPr lang="pt-BR" dirty="0" smtClean="0"/>
+              <a:t>Almeida</a:t>
+            </a:r>
+            <a:endParaRPr lang="pt-BR" dirty="0"/>
+          </a:p>
+        </p:txBody>
+      </p:sp>
+    </p:spTree>
+    <p:extLst>
+      <p:ext uri="{BB962C8B-B14F-4D97-AF65-F5344CB8AC3E}">
+        <p14:creationId xmlns:p14="http://schemas.microsoft.com/office/powerpoint/2010/main" val="616179478"/>
       </p:ext>
     </p:extLst>
   </p:cSld>
@@ -6708,6 +6909,13 @@
   <p:clrMapOvr>
     <a:masterClrMapping/>
   </p:clrMapOvr>
+  <p:timing>
+    <p:tnLst>
+      <p:par>
+        <p:cTn id="1" dur="indefinite" restart="never" nodeType="tmRoot"/>
+      </p:par>
+    </p:tnLst>
+  </p:timing>
 </p:sld>
 </file>
 
@@ -8865,7 +9073,7 @@
           <a:p>
             <a:r>
               <a:rPr lang="pt-BR" dirty="0" smtClean="0"/>
-              <a:t>No M1 forma realizadas atualizações de layout na pagina principal e atualizações nas informações dos docentes; </a:t>
+              <a:t>No M1 forma realizadas atualizações de layout na página principal e atualizações nas informações dos docentes; </a:t>
             </a:r>
           </a:p>
           <a:p>
